--- a/Eminem.pptx
+++ b/Eminem.pptx
@@ -8,9 +8,10 @@
     <p:sldId id="256" r:id="rId2"/>
     <p:sldId id="257" r:id="rId3"/>
     <p:sldId id="258" r:id="rId4"/>
-    <p:sldId id="259" r:id="rId5"/>
-    <p:sldId id="261" r:id="rId6"/>
-    <p:sldId id="262" r:id="rId7"/>
+    <p:sldId id="263" r:id="rId5"/>
+    <p:sldId id="264" r:id="rId6"/>
+    <p:sldId id="265" r:id="rId7"/>
+    <p:sldId id="262" r:id="rId8"/>
   </p:sldIdLst>
   <p:sldSz cx="12192000" cy="6858000"/>
   <p:notesSz cx="6858000" cy="9144000"/>
@@ -109,6 +110,11 @@
       </a:defRPr>
     </a:lvl9pPr>
   </p:defaultTextStyle>
+  <p:extLst>
+    <p:ext uri="{EFAFB233-063F-42B5-8137-9DF3F51BA10A}">
+      <p15:sldGuideLst xmlns:p15="http://schemas.microsoft.com/office/powerpoint/2012/main"/>
+    </p:ext>
+  </p:extLst>
 </p:presentation>
 </file>
 
@@ -453,7 +459,7 @@
           </a:lstStyle>
           <a:p>
             <a:r>
-              <a:rPr lang="hu-HU" smtClean="0"/>
+              <a:rPr lang="hu-HU"/>
               <a:t>Mintacím szerkesztése</a:t>
             </a:r>
             <a:endParaRPr lang="en-US" dirty="0"/>
@@ -526,7 +532,7 @@
           </a:lstStyle>
           <a:p>
             <a:r>
-              <a:rPr lang="hu-HU" smtClean="0"/>
+              <a:rPr lang="hu-HU"/>
               <a:t>Kattintson ide az alcím mintájának szerkesztéséhez</a:t>
             </a:r>
             <a:endParaRPr lang="en-US" dirty="0"/>
@@ -565,7 +571,7 @@
           <a:p>
             <a:fld id="{1BA577CF-31C9-40C8-BE27-68A154E792B6}" type="datetimeFigureOut">
               <a:rPr lang="hu-HU" smtClean="0"/>
-              <a:t>2022.09.02</a:t>
+              <a:t>2022.09.30</a:t>
             </a:fld>
             <a:endParaRPr lang="hu-HU"/>
           </a:p>
@@ -735,7 +741,7 @@
           </a:lstStyle>
           <a:p>
             <a:r>
-              <a:rPr lang="hu-HU" smtClean="0"/>
+              <a:rPr lang="hu-HU"/>
               <a:t>Mintacím szerkesztése</a:t>
             </a:r>
             <a:endParaRPr lang="en-US" dirty="0"/>
@@ -808,7 +814,7 @@
           </a:lstStyle>
           <a:p>
             <a:r>
-              <a:rPr lang="hu-HU" smtClean="0"/>
+              <a:rPr lang="hu-HU"/>
               <a:t>Kép beszúrásához kattintson az ikonra</a:t>
             </a:r>
             <a:endParaRPr lang="en-US" dirty="0"/>
@@ -874,7 +880,7 @@
           <a:p>
             <a:pPr lvl="0"/>
             <a:r>
-              <a:rPr lang="hu-HU" smtClean="0"/>
+              <a:rPr lang="hu-HU"/>
               <a:t>Mintaszöveg szerkesztése</a:t>
             </a:r>
           </a:p>
@@ -897,7 +903,7 @@
           <a:p>
             <a:fld id="{1BA577CF-31C9-40C8-BE27-68A154E792B6}" type="datetimeFigureOut">
               <a:rPr lang="hu-HU" smtClean="0"/>
-              <a:t>2022.09.02</a:t>
+              <a:t>2022.09.30</a:t>
             </a:fld>
             <a:endParaRPr lang="hu-HU"/>
           </a:p>
@@ -1002,7 +1008,7 @@
           </a:lstStyle>
           <a:p>
             <a:r>
-              <a:rPr lang="hu-HU" smtClean="0"/>
+              <a:rPr lang="hu-HU"/>
               <a:t>Mintacím szerkesztése</a:t>
             </a:r>
             <a:endParaRPr lang="en-US" dirty="0"/>
@@ -1070,7 +1076,7 @@
           <a:p>
             <a:pPr lvl="0"/>
             <a:r>
-              <a:rPr lang="hu-HU" smtClean="0"/>
+              <a:rPr lang="hu-HU"/>
               <a:t>Mintaszöveg szerkesztése</a:t>
             </a:r>
           </a:p>
@@ -1093,7 +1099,7 @@
           <a:p>
             <a:fld id="{1BA577CF-31C9-40C8-BE27-68A154E792B6}" type="datetimeFigureOut">
               <a:rPr lang="hu-HU" smtClean="0"/>
-              <a:t>2022.09.02</a:t>
+              <a:t>2022.09.30</a:t>
             </a:fld>
             <a:endParaRPr lang="hu-HU"/>
           </a:p>
@@ -1198,7 +1204,7 @@
           </a:lstStyle>
           <a:p>
             <a:r>
-              <a:rPr lang="hu-HU" smtClean="0"/>
+              <a:rPr lang="hu-HU"/>
               <a:t>Mintacím szerkesztése</a:t>
             </a:r>
             <a:endParaRPr lang="en-US" dirty="0"/>
@@ -1273,7 +1279,7 @@
           <a:p>
             <a:pPr lvl="0"/>
             <a:r>
-              <a:rPr lang="hu-HU" smtClean="0"/>
+              <a:rPr lang="hu-HU"/>
               <a:t>Mintaszöveg szerkesztése</a:t>
             </a:r>
           </a:p>
@@ -1340,7 +1346,7 @@
           <a:p>
             <a:pPr lvl="0"/>
             <a:r>
-              <a:rPr lang="hu-HU" smtClean="0"/>
+              <a:rPr lang="hu-HU"/>
               <a:t>Mintaszöveg szerkesztése</a:t>
             </a:r>
           </a:p>
@@ -1363,7 +1369,7 @@
           <a:p>
             <a:fld id="{1BA577CF-31C9-40C8-BE27-68A154E792B6}" type="datetimeFigureOut">
               <a:rPr lang="hu-HU" smtClean="0"/>
-              <a:t>2022.09.02</a:t>
+              <a:t>2022.09.30</a:t>
             </a:fld>
             <a:endParaRPr lang="hu-HU"/>
           </a:p>
@@ -1700,7 +1706,7 @@
           </a:lstStyle>
           <a:p>
             <a:r>
-              <a:rPr lang="hu-HU" smtClean="0"/>
+              <a:rPr lang="hu-HU"/>
               <a:t>Mintacím szerkesztése</a:t>
             </a:r>
             <a:endParaRPr lang="en-US" dirty="0"/>
@@ -1768,7 +1774,7 @@
           <a:p>
             <a:pPr lvl="0"/>
             <a:r>
-              <a:rPr lang="hu-HU" smtClean="0"/>
+              <a:rPr lang="hu-HU"/>
               <a:t>Mintaszöveg szerkesztése</a:t>
             </a:r>
           </a:p>
@@ -1791,7 +1797,7 @@
           <a:p>
             <a:fld id="{1BA577CF-31C9-40C8-BE27-68A154E792B6}" type="datetimeFigureOut">
               <a:rPr lang="hu-HU" smtClean="0"/>
-              <a:t>2022.09.02</a:t>
+              <a:t>2022.09.30</a:t>
             </a:fld>
             <a:endParaRPr lang="hu-HU"/>
           </a:p>
@@ -1894,7 +1900,7 @@
           </a:lstStyle>
           <a:p>
             <a:r>
-              <a:rPr lang="hu-HU" smtClean="0"/>
+              <a:rPr lang="hu-HU"/>
               <a:t>Mintacím szerkesztése</a:t>
             </a:r>
             <a:endParaRPr lang="en-US" dirty="0"/>
@@ -1969,7 +1975,7 @@
           <a:p>
             <a:pPr lvl="0"/>
             <a:r>
-              <a:rPr lang="hu-HU" smtClean="0"/>
+              <a:rPr lang="hu-HU"/>
               <a:t>Mintaszöveg szerkesztése</a:t>
             </a:r>
           </a:p>
@@ -2036,7 +2042,7 @@
           <a:p>
             <a:pPr lvl="0"/>
             <a:r>
-              <a:rPr lang="hu-HU" smtClean="0"/>
+              <a:rPr lang="hu-HU"/>
               <a:t>Mintaszöveg szerkesztése</a:t>
             </a:r>
           </a:p>
@@ -2110,7 +2116,7 @@
           <a:p>
             <a:pPr lvl="0"/>
             <a:r>
-              <a:rPr lang="hu-HU" smtClean="0"/>
+              <a:rPr lang="hu-HU"/>
               <a:t>Mintaszöveg szerkesztése</a:t>
             </a:r>
           </a:p>
@@ -2177,7 +2183,7 @@
           <a:p>
             <a:pPr lvl="0"/>
             <a:r>
-              <a:rPr lang="hu-HU" smtClean="0"/>
+              <a:rPr lang="hu-HU"/>
               <a:t>Mintaszöveg szerkesztése</a:t>
             </a:r>
           </a:p>
@@ -2251,7 +2257,7 @@
           <a:p>
             <a:pPr lvl="0"/>
             <a:r>
-              <a:rPr lang="hu-HU" smtClean="0"/>
+              <a:rPr lang="hu-HU"/>
               <a:t>Mintaszöveg szerkesztése</a:t>
             </a:r>
           </a:p>
@@ -2318,7 +2324,7 @@
           <a:p>
             <a:pPr lvl="0"/>
             <a:r>
-              <a:rPr lang="hu-HU" smtClean="0"/>
+              <a:rPr lang="hu-HU"/>
               <a:t>Mintaszöveg szerkesztése</a:t>
             </a:r>
           </a:p>
@@ -2341,7 +2347,7 @@
           <a:p>
             <a:fld id="{1BA577CF-31C9-40C8-BE27-68A154E792B6}" type="datetimeFigureOut">
               <a:rPr lang="hu-HU" smtClean="0"/>
-              <a:t>2022.09.02</a:t>
+              <a:t>2022.09.30</a:t>
             </a:fld>
             <a:endParaRPr lang="hu-HU"/>
           </a:p>
@@ -2444,7 +2450,7 @@
           </a:lstStyle>
           <a:p>
             <a:r>
-              <a:rPr lang="hu-HU" smtClean="0"/>
+              <a:rPr lang="hu-HU"/>
               <a:t>Mintacím szerkesztése</a:t>
             </a:r>
             <a:endParaRPr lang="en-US" dirty="0"/>
@@ -2519,7 +2525,7 @@
           <a:p>
             <a:pPr lvl="0"/>
             <a:r>
-              <a:rPr lang="hu-HU" smtClean="0"/>
+              <a:rPr lang="hu-HU"/>
               <a:t>Mintaszöveg szerkesztése</a:t>
             </a:r>
           </a:p>
@@ -2598,7 +2604,7 @@
           </a:lstStyle>
           <a:p>
             <a:r>
-              <a:rPr lang="hu-HU" smtClean="0"/>
+              <a:rPr lang="hu-HU"/>
               <a:t>Kép beszúrásához kattintson az ikonra</a:t>
             </a:r>
             <a:endParaRPr lang="en-US" dirty="0"/>
@@ -2666,7 +2672,7 @@
           <a:p>
             <a:pPr lvl="0"/>
             <a:r>
-              <a:rPr lang="hu-HU" smtClean="0"/>
+              <a:rPr lang="hu-HU"/>
               <a:t>Mintaszöveg szerkesztése</a:t>
             </a:r>
           </a:p>
@@ -2740,7 +2746,7 @@
           <a:p>
             <a:pPr lvl="0"/>
             <a:r>
-              <a:rPr lang="hu-HU" smtClean="0"/>
+              <a:rPr lang="hu-HU"/>
               <a:t>Mintaszöveg szerkesztése</a:t>
             </a:r>
           </a:p>
@@ -2819,7 +2825,7 @@
           </a:lstStyle>
           <a:p>
             <a:r>
-              <a:rPr lang="hu-HU" smtClean="0"/>
+              <a:rPr lang="hu-HU"/>
               <a:t>Kép beszúrásához kattintson az ikonra</a:t>
             </a:r>
             <a:endParaRPr lang="en-US" dirty="0"/>
@@ -2887,7 +2893,7 @@
           <a:p>
             <a:pPr lvl="0"/>
             <a:r>
-              <a:rPr lang="hu-HU" smtClean="0"/>
+              <a:rPr lang="hu-HU"/>
               <a:t>Mintaszöveg szerkesztése</a:t>
             </a:r>
           </a:p>
@@ -2961,7 +2967,7 @@
           <a:p>
             <a:pPr lvl="0"/>
             <a:r>
-              <a:rPr lang="hu-HU" smtClean="0"/>
+              <a:rPr lang="hu-HU"/>
               <a:t>Mintaszöveg szerkesztése</a:t>
             </a:r>
           </a:p>
@@ -3040,7 +3046,7 @@
           </a:lstStyle>
           <a:p>
             <a:r>
-              <a:rPr lang="hu-HU" smtClean="0"/>
+              <a:rPr lang="hu-HU"/>
               <a:t>Kép beszúrásához kattintson az ikonra</a:t>
             </a:r>
             <a:endParaRPr lang="en-US" dirty="0"/>
@@ -3108,7 +3114,7 @@
           <a:p>
             <a:pPr lvl="0"/>
             <a:r>
-              <a:rPr lang="hu-HU" smtClean="0"/>
+              <a:rPr lang="hu-HU"/>
               <a:t>Mintaszöveg szerkesztése</a:t>
             </a:r>
           </a:p>
@@ -3131,7 +3137,7 @@
           <a:p>
             <a:fld id="{1BA577CF-31C9-40C8-BE27-68A154E792B6}" type="datetimeFigureOut">
               <a:rPr lang="hu-HU" smtClean="0"/>
-              <a:t>2022.09.02</a:t>
+              <a:t>2022.09.30</a:t>
             </a:fld>
             <a:endParaRPr lang="hu-HU"/>
           </a:p>
@@ -3229,7 +3235,7 @@
           </a:lstStyle>
           <a:p>
             <a:r>
-              <a:rPr lang="hu-HU" smtClean="0"/>
+              <a:rPr lang="hu-HU"/>
               <a:t>Mintacím szerkesztése</a:t>
             </a:r>
             <a:endParaRPr lang="en-US" dirty="0"/>
@@ -3258,35 +3264,35 @@
           <a:p>
             <a:pPr lvl="0"/>
             <a:r>
-              <a:rPr lang="hu-HU" smtClean="0"/>
+              <a:rPr lang="hu-HU"/>
               <a:t>Mintaszöveg szerkesztése</a:t>
             </a:r>
           </a:p>
           <a:p>
             <a:pPr lvl="1"/>
             <a:r>
-              <a:rPr lang="hu-HU" smtClean="0"/>
+              <a:rPr lang="hu-HU"/>
               <a:t>Második szint</a:t>
             </a:r>
           </a:p>
           <a:p>
             <a:pPr lvl="2"/>
             <a:r>
-              <a:rPr lang="hu-HU" smtClean="0"/>
+              <a:rPr lang="hu-HU"/>
               <a:t>Harmadik szint</a:t>
             </a:r>
           </a:p>
           <a:p>
             <a:pPr lvl="3"/>
             <a:r>
-              <a:rPr lang="hu-HU" smtClean="0"/>
+              <a:rPr lang="hu-HU"/>
               <a:t>Negyedik szint</a:t>
             </a:r>
           </a:p>
           <a:p>
             <a:pPr lvl="4"/>
             <a:r>
-              <a:rPr lang="hu-HU" smtClean="0"/>
+              <a:rPr lang="hu-HU"/>
               <a:t>Ötödik szint</a:t>
             </a:r>
             <a:endParaRPr lang="en-US" dirty="0"/>
@@ -3310,7 +3316,7 @@
           <a:p>
             <a:fld id="{1BA577CF-31C9-40C8-BE27-68A154E792B6}" type="datetimeFigureOut">
               <a:rPr lang="hu-HU" smtClean="0"/>
-              <a:t>2022.09.02</a:t>
+              <a:t>2022.09.30</a:t>
             </a:fld>
             <a:endParaRPr lang="hu-HU"/>
           </a:p>
@@ -3413,7 +3419,7 @@
           </a:lstStyle>
           <a:p>
             <a:r>
-              <a:rPr lang="hu-HU" smtClean="0"/>
+              <a:rPr lang="hu-HU"/>
               <a:t>Mintacím szerkesztése</a:t>
             </a:r>
             <a:endParaRPr lang="en-US" dirty="0"/>
@@ -3442,35 +3448,35 @@
           <a:p>
             <a:pPr lvl="0"/>
             <a:r>
-              <a:rPr lang="hu-HU" smtClean="0"/>
+              <a:rPr lang="hu-HU"/>
               <a:t>Mintaszöveg szerkesztése</a:t>
             </a:r>
           </a:p>
           <a:p>
             <a:pPr lvl="1"/>
             <a:r>
-              <a:rPr lang="hu-HU" smtClean="0"/>
+              <a:rPr lang="hu-HU"/>
               <a:t>Második szint</a:t>
             </a:r>
           </a:p>
           <a:p>
             <a:pPr lvl="2"/>
             <a:r>
-              <a:rPr lang="hu-HU" smtClean="0"/>
+              <a:rPr lang="hu-HU"/>
               <a:t>Harmadik szint</a:t>
             </a:r>
           </a:p>
           <a:p>
             <a:pPr lvl="3"/>
             <a:r>
-              <a:rPr lang="hu-HU" smtClean="0"/>
+              <a:rPr lang="hu-HU"/>
               <a:t>Negyedik szint</a:t>
             </a:r>
           </a:p>
           <a:p>
             <a:pPr lvl="4"/>
             <a:r>
-              <a:rPr lang="hu-HU" smtClean="0"/>
+              <a:rPr lang="hu-HU"/>
               <a:t>Ötödik szint</a:t>
             </a:r>
             <a:endParaRPr lang="en-US" dirty="0"/>
@@ -3494,7 +3500,7 @@
           <a:p>
             <a:fld id="{1BA577CF-31C9-40C8-BE27-68A154E792B6}" type="datetimeFigureOut">
               <a:rPr lang="hu-HU" smtClean="0"/>
-              <a:t>2022.09.02</a:t>
+              <a:t>2022.09.30</a:t>
             </a:fld>
             <a:endParaRPr lang="hu-HU"/>
           </a:p>
@@ -3588,10 +3594,9 @@
           <a:lstStyle/>
           <a:p>
             <a:r>
-              <a:rPr lang="hu-HU" smtClean="0"/>
+              <a:rPr lang="hu-HU"/>
               <a:t>Mintacím szerkesztése</a:t>
             </a:r>
-            <a:endParaRPr lang="hu-HU"/>
           </a:p>
         </p:txBody>
       </p:sp>
@@ -3612,38 +3617,37 @@
           <a:p>
             <a:pPr lvl="0"/>
             <a:r>
-              <a:rPr lang="hu-HU" smtClean="0"/>
+              <a:rPr lang="hu-HU"/>
               <a:t>Mintaszöveg szerkesztése</a:t>
             </a:r>
           </a:p>
           <a:p>
             <a:pPr lvl="1"/>
             <a:r>
-              <a:rPr lang="hu-HU" smtClean="0"/>
+              <a:rPr lang="hu-HU"/>
               <a:t>Második szint</a:t>
             </a:r>
           </a:p>
           <a:p>
             <a:pPr lvl="2"/>
             <a:r>
-              <a:rPr lang="hu-HU" smtClean="0"/>
+              <a:rPr lang="hu-HU"/>
               <a:t>Harmadik szint</a:t>
             </a:r>
           </a:p>
           <a:p>
             <a:pPr lvl="3"/>
             <a:r>
-              <a:rPr lang="hu-HU" smtClean="0"/>
+              <a:rPr lang="hu-HU"/>
               <a:t>Negyedik szint</a:t>
             </a:r>
           </a:p>
           <a:p>
             <a:pPr lvl="4"/>
             <a:r>
-              <a:rPr lang="hu-HU" smtClean="0"/>
+              <a:rPr lang="hu-HU"/>
               <a:t>Ötödik szint</a:t>
             </a:r>
-            <a:endParaRPr lang="hu-HU"/>
           </a:p>
         </p:txBody>
       </p:sp>
@@ -3664,7 +3668,7 @@
           <a:p>
             <a:fld id="{1BA577CF-31C9-40C8-BE27-68A154E792B6}" type="datetimeFigureOut">
               <a:rPr lang="hu-HU" smtClean="0"/>
-              <a:t>2022.09.02</a:t>
+              <a:t>2022.09.30</a:t>
             </a:fld>
             <a:endParaRPr lang="hu-HU"/>
           </a:p>
@@ -3758,7 +3762,7 @@
           <a:lstStyle/>
           <a:p>
             <a:r>
-              <a:rPr lang="hu-HU" smtClean="0"/>
+              <a:rPr lang="hu-HU"/>
               <a:t>Mintacím szerkesztése</a:t>
             </a:r>
             <a:endParaRPr lang="en-US" dirty="0"/>
@@ -3787,35 +3791,35 @@
           <a:p>
             <a:pPr lvl="0"/>
             <a:r>
-              <a:rPr lang="hu-HU" smtClean="0"/>
+              <a:rPr lang="hu-HU"/>
               <a:t>Mintaszöveg szerkesztése</a:t>
             </a:r>
           </a:p>
           <a:p>
             <a:pPr lvl="1"/>
             <a:r>
-              <a:rPr lang="hu-HU" smtClean="0"/>
+              <a:rPr lang="hu-HU"/>
               <a:t>Második szint</a:t>
             </a:r>
           </a:p>
           <a:p>
             <a:pPr lvl="2"/>
             <a:r>
-              <a:rPr lang="hu-HU" smtClean="0"/>
+              <a:rPr lang="hu-HU"/>
               <a:t>Harmadik szint</a:t>
             </a:r>
           </a:p>
           <a:p>
             <a:pPr lvl="3"/>
             <a:r>
-              <a:rPr lang="hu-HU" smtClean="0"/>
+              <a:rPr lang="hu-HU"/>
               <a:t>Negyedik szint</a:t>
             </a:r>
           </a:p>
           <a:p>
             <a:pPr lvl="4"/>
             <a:r>
-              <a:rPr lang="hu-HU" smtClean="0"/>
+              <a:rPr lang="hu-HU"/>
               <a:t>Ötödik szint</a:t>
             </a:r>
             <a:endParaRPr lang="en-US" dirty="0"/>
@@ -3839,7 +3843,7 @@
           <a:p>
             <a:fld id="{1BA577CF-31C9-40C8-BE27-68A154E792B6}" type="datetimeFigureOut">
               <a:rPr lang="hu-HU" smtClean="0"/>
-              <a:t>2022.09.02</a:t>
+              <a:t>2022.09.30</a:t>
             </a:fld>
             <a:endParaRPr lang="hu-HU"/>
           </a:p>
@@ -3944,7 +3948,7 @@
           </a:lstStyle>
           <a:p>
             <a:r>
-              <a:rPr lang="hu-HU" smtClean="0"/>
+              <a:rPr lang="hu-HU"/>
               <a:t>Mintacím szerkesztése</a:t>
             </a:r>
             <a:endParaRPr lang="en-US" dirty="0"/>
@@ -4066,7 +4070,7 @@
           <a:p>
             <a:pPr lvl="0"/>
             <a:r>
-              <a:rPr lang="hu-HU" smtClean="0"/>
+              <a:rPr lang="hu-HU"/>
               <a:t>Mintaszöveg szerkesztése</a:t>
             </a:r>
           </a:p>
@@ -4089,7 +4093,7 @@
           <a:p>
             <a:fld id="{1BA577CF-31C9-40C8-BE27-68A154E792B6}" type="datetimeFigureOut">
               <a:rPr lang="hu-HU" smtClean="0"/>
-              <a:t>2022.09.02</a:t>
+              <a:t>2022.09.30</a:t>
             </a:fld>
             <a:endParaRPr lang="hu-HU"/>
           </a:p>
@@ -4188,7 +4192,7 @@
           <a:lstStyle/>
           <a:p>
             <a:r>
-              <a:rPr lang="hu-HU" smtClean="0"/>
+              <a:rPr lang="hu-HU"/>
               <a:t>Mintacím szerkesztése</a:t>
             </a:r>
             <a:endParaRPr lang="en-US" dirty="0"/>
@@ -4217,35 +4221,35 @@
           <a:p>
             <a:pPr lvl="0"/>
             <a:r>
-              <a:rPr lang="hu-HU" smtClean="0"/>
+              <a:rPr lang="hu-HU"/>
               <a:t>Mintaszöveg szerkesztése</a:t>
             </a:r>
           </a:p>
           <a:p>
             <a:pPr lvl="1"/>
             <a:r>
-              <a:rPr lang="hu-HU" smtClean="0"/>
+              <a:rPr lang="hu-HU"/>
               <a:t>Második szint</a:t>
             </a:r>
           </a:p>
           <a:p>
             <a:pPr lvl="2"/>
             <a:r>
-              <a:rPr lang="hu-HU" smtClean="0"/>
+              <a:rPr lang="hu-HU"/>
               <a:t>Harmadik szint</a:t>
             </a:r>
           </a:p>
           <a:p>
             <a:pPr lvl="3"/>
             <a:r>
-              <a:rPr lang="hu-HU" smtClean="0"/>
+              <a:rPr lang="hu-HU"/>
               <a:t>Negyedik szint</a:t>
             </a:r>
           </a:p>
           <a:p>
             <a:pPr lvl="4"/>
             <a:r>
-              <a:rPr lang="hu-HU" smtClean="0"/>
+              <a:rPr lang="hu-HU"/>
               <a:t>Ötödik szint</a:t>
             </a:r>
             <a:endParaRPr lang="en-US" dirty="0"/>
@@ -4274,35 +4278,35 @@
           <a:p>
             <a:pPr lvl="0"/>
             <a:r>
-              <a:rPr lang="hu-HU" smtClean="0"/>
+              <a:rPr lang="hu-HU"/>
               <a:t>Mintaszöveg szerkesztése</a:t>
             </a:r>
           </a:p>
           <a:p>
             <a:pPr lvl="1"/>
             <a:r>
-              <a:rPr lang="hu-HU" smtClean="0"/>
+              <a:rPr lang="hu-HU"/>
               <a:t>Második szint</a:t>
             </a:r>
           </a:p>
           <a:p>
             <a:pPr lvl="2"/>
             <a:r>
-              <a:rPr lang="hu-HU" smtClean="0"/>
+              <a:rPr lang="hu-HU"/>
               <a:t>Harmadik szint</a:t>
             </a:r>
           </a:p>
           <a:p>
             <a:pPr lvl="3"/>
             <a:r>
-              <a:rPr lang="hu-HU" smtClean="0"/>
+              <a:rPr lang="hu-HU"/>
               <a:t>Negyedik szint</a:t>
             </a:r>
           </a:p>
           <a:p>
             <a:pPr lvl="4"/>
             <a:r>
-              <a:rPr lang="hu-HU" smtClean="0"/>
+              <a:rPr lang="hu-HU"/>
               <a:t>Ötödik szint</a:t>
             </a:r>
             <a:endParaRPr lang="en-US" dirty="0"/>
@@ -4326,7 +4330,7 @@
           <a:p>
             <a:fld id="{1BA577CF-31C9-40C8-BE27-68A154E792B6}" type="datetimeFigureOut">
               <a:rPr lang="hu-HU" smtClean="0"/>
-              <a:t>2022.09.02</a:t>
+              <a:t>2022.09.30</a:t>
             </a:fld>
             <a:endParaRPr lang="hu-HU"/>
           </a:p>
@@ -4425,7 +4429,7 @@
           <a:lstStyle/>
           <a:p>
             <a:r>
-              <a:rPr lang="hu-HU" smtClean="0"/>
+              <a:rPr lang="hu-HU"/>
               <a:t>Mintacím szerkesztése</a:t>
             </a:r>
             <a:endParaRPr lang="en-US" dirty="0"/>
@@ -4500,7 +4504,7 @@
           <a:p>
             <a:pPr lvl="0"/>
             <a:r>
-              <a:rPr lang="hu-HU" smtClean="0"/>
+              <a:rPr lang="hu-HU"/>
               <a:t>Mintaszöveg szerkesztése</a:t>
             </a:r>
           </a:p>
@@ -4528,35 +4532,35 @@
           <a:p>
             <a:pPr lvl="0"/>
             <a:r>
-              <a:rPr lang="hu-HU" smtClean="0"/>
+              <a:rPr lang="hu-HU"/>
               <a:t>Mintaszöveg szerkesztése</a:t>
             </a:r>
           </a:p>
           <a:p>
             <a:pPr lvl="1"/>
             <a:r>
-              <a:rPr lang="hu-HU" smtClean="0"/>
+              <a:rPr lang="hu-HU"/>
               <a:t>Második szint</a:t>
             </a:r>
           </a:p>
           <a:p>
             <a:pPr lvl="2"/>
             <a:r>
-              <a:rPr lang="hu-HU" smtClean="0"/>
+              <a:rPr lang="hu-HU"/>
               <a:t>Harmadik szint</a:t>
             </a:r>
           </a:p>
           <a:p>
             <a:pPr lvl="3"/>
             <a:r>
-              <a:rPr lang="hu-HU" smtClean="0"/>
+              <a:rPr lang="hu-HU"/>
               <a:t>Negyedik szint</a:t>
             </a:r>
           </a:p>
           <a:p>
             <a:pPr lvl="4"/>
             <a:r>
-              <a:rPr lang="hu-HU" smtClean="0"/>
+              <a:rPr lang="hu-HU"/>
               <a:t>Ötödik szint</a:t>
             </a:r>
             <a:endParaRPr lang="en-US" dirty="0"/>
@@ -4631,7 +4635,7 @@
           <a:p>
             <a:pPr lvl="0"/>
             <a:r>
-              <a:rPr lang="hu-HU" smtClean="0"/>
+              <a:rPr lang="hu-HU"/>
               <a:t>Mintaszöveg szerkesztése</a:t>
             </a:r>
           </a:p>
@@ -4659,35 +4663,35 @@
           <a:p>
             <a:pPr lvl="0"/>
             <a:r>
-              <a:rPr lang="hu-HU" smtClean="0"/>
+              <a:rPr lang="hu-HU"/>
               <a:t>Mintaszöveg szerkesztése</a:t>
             </a:r>
           </a:p>
           <a:p>
             <a:pPr lvl="1"/>
             <a:r>
-              <a:rPr lang="hu-HU" smtClean="0"/>
+              <a:rPr lang="hu-HU"/>
               <a:t>Második szint</a:t>
             </a:r>
           </a:p>
           <a:p>
             <a:pPr lvl="2"/>
             <a:r>
-              <a:rPr lang="hu-HU" smtClean="0"/>
+              <a:rPr lang="hu-HU"/>
               <a:t>Harmadik szint</a:t>
             </a:r>
           </a:p>
           <a:p>
             <a:pPr lvl="3"/>
             <a:r>
-              <a:rPr lang="hu-HU" smtClean="0"/>
+              <a:rPr lang="hu-HU"/>
               <a:t>Negyedik szint</a:t>
             </a:r>
           </a:p>
           <a:p>
             <a:pPr lvl="4"/>
             <a:r>
-              <a:rPr lang="hu-HU" smtClean="0"/>
+              <a:rPr lang="hu-HU"/>
               <a:t>Ötödik szint</a:t>
             </a:r>
             <a:endParaRPr lang="en-US" dirty="0"/>
@@ -4711,7 +4715,7 @@
           <a:p>
             <a:fld id="{1BA577CF-31C9-40C8-BE27-68A154E792B6}" type="datetimeFigureOut">
               <a:rPr lang="hu-HU" smtClean="0"/>
-              <a:t>2022.09.02</a:t>
+              <a:t>2022.09.30</a:t>
             </a:fld>
             <a:endParaRPr lang="hu-HU"/>
           </a:p>
@@ -4805,7 +4809,7 @@
           <a:lstStyle/>
           <a:p>
             <a:r>
-              <a:rPr lang="hu-HU" smtClean="0"/>
+              <a:rPr lang="hu-HU"/>
               <a:t>Mintacím szerkesztése</a:t>
             </a:r>
             <a:endParaRPr lang="en-US" dirty="0"/>
@@ -4829,7 +4833,7 @@
           <a:p>
             <a:fld id="{1BA577CF-31C9-40C8-BE27-68A154E792B6}" type="datetimeFigureOut">
               <a:rPr lang="hu-HU" smtClean="0"/>
-              <a:t>2022.09.02</a:t>
+              <a:t>2022.09.30</a:t>
             </a:fld>
             <a:endParaRPr lang="hu-HU"/>
           </a:p>
@@ -4924,7 +4928,7 @@
           <a:p>
             <a:fld id="{1BA577CF-31C9-40C8-BE27-68A154E792B6}" type="datetimeFigureOut">
               <a:rPr lang="hu-HU" smtClean="0"/>
-              <a:t>2022.09.02</a:t>
+              <a:t>2022.09.30</a:t>
             </a:fld>
             <a:endParaRPr lang="hu-HU"/>
           </a:p>
@@ -5029,7 +5033,7 @@
           </a:lstStyle>
           <a:p>
             <a:r>
-              <a:rPr lang="hu-HU" smtClean="0"/>
+              <a:rPr lang="hu-HU"/>
               <a:t>Mintacím szerkesztése</a:t>
             </a:r>
             <a:endParaRPr lang="en-US" dirty="0"/>
@@ -5058,35 +5062,35 @@
           <a:p>
             <a:pPr lvl="0"/>
             <a:r>
-              <a:rPr lang="hu-HU" smtClean="0"/>
+              <a:rPr lang="hu-HU"/>
               <a:t>Mintaszöveg szerkesztése</a:t>
             </a:r>
           </a:p>
           <a:p>
             <a:pPr lvl="1"/>
             <a:r>
-              <a:rPr lang="hu-HU" smtClean="0"/>
+              <a:rPr lang="hu-HU"/>
               <a:t>Második szint</a:t>
             </a:r>
           </a:p>
           <a:p>
             <a:pPr lvl="2"/>
             <a:r>
-              <a:rPr lang="hu-HU" smtClean="0"/>
+              <a:rPr lang="hu-HU"/>
               <a:t>Harmadik szint</a:t>
             </a:r>
           </a:p>
           <a:p>
             <a:pPr lvl="3"/>
             <a:r>
-              <a:rPr lang="hu-HU" smtClean="0"/>
+              <a:rPr lang="hu-HU"/>
               <a:t>Negyedik szint</a:t>
             </a:r>
           </a:p>
           <a:p>
             <a:pPr lvl="4"/>
             <a:r>
-              <a:rPr lang="hu-HU" smtClean="0"/>
+              <a:rPr lang="hu-HU"/>
               <a:t>Ötödik szint</a:t>
             </a:r>
             <a:endParaRPr lang="en-US" dirty="0"/>
@@ -5154,7 +5158,7 @@
           <a:p>
             <a:pPr lvl="0"/>
             <a:r>
-              <a:rPr lang="hu-HU" smtClean="0"/>
+              <a:rPr lang="hu-HU"/>
               <a:t>Mintaszöveg szerkesztése</a:t>
             </a:r>
           </a:p>
@@ -5177,7 +5181,7 @@
           <a:p>
             <a:fld id="{1BA577CF-31C9-40C8-BE27-68A154E792B6}" type="datetimeFigureOut">
               <a:rPr lang="hu-HU" smtClean="0"/>
-              <a:t>2022.09.02</a:t>
+              <a:t>2022.09.30</a:t>
             </a:fld>
             <a:endParaRPr lang="hu-HU"/>
           </a:p>
@@ -5282,7 +5286,7 @@
           </a:lstStyle>
           <a:p>
             <a:r>
-              <a:rPr lang="hu-HU" smtClean="0"/>
+              <a:rPr lang="hu-HU"/>
               <a:t>Mintacím szerkesztése</a:t>
             </a:r>
             <a:endParaRPr lang="en-US" dirty="0"/>
@@ -5355,7 +5359,7 @@
           </a:lstStyle>
           <a:p>
             <a:r>
-              <a:rPr lang="hu-HU" smtClean="0"/>
+              <a:rPr lang="hu-HU"/>
               <a:t>Kép beszúrásához kattintson az ikonra</a:t>
             </a:r>
             <a:endParaRPr lang="en-US" dirty="0"/>
@@ -5423,7 +5427,7 @@
           <a:p>
             <a:pPr lvl="0"/>
             <a:r>
-              <a:rPr lang="hu-HU" smtClean="0"/>
+              <a:rPr lang="hu-HU"/>
               <a:t>Mintaszöveg szerkesztése</a:t>
             </a:r>
           </a:p>
@@ -5446,7 +5450,7 @@
           <a:p>
             <a:fld id="{1BA577CF-31C9-40C8-BE27-68A154E792B6}" type="datetimeFigureOut">
               <a:rPr lang="hu-HU" smtClean="0"/>
-              <a:t>2022.09.02</a:t>
+              <a:t>2022.09.30</a:t>
             </a:fld>
             <a:endParaRPr lang="hu-HU"/>
           </a:p>
@@ -5745,7 +5749,7 @@
           <a:lstStyle/>
           <a:p>
             <a:r>
-              <a:rPr lang="hu-HU" smtClean="0"/>
+              <a:rPr lang="hu-HU"/>
               <a:t>Mintacím szerkesztése</a:t>
             </a:r>
             <a:endParaRPr lang="en-US" dirty="0"/>
@@ -5779,35 +5783,35 @@
           <a:p>
             <a:pPr lvl="0"/>
             <a:r>
-              <a:rPr lang="hu-HU" smtClean="0"/>
+              <a:rPr lang="hu-HU"/>
               <a:t>Mintaszöveg szerkesztése</a:t>
             </a:r>
           </a:p>
           <a:p>
             <a:pPr lvl="1"/>
             <a:r>
-              <a:rPr lang="hu-HU" smtClean="0"/>
+              <a:rPr lang="hu-HU"/>
               <a:t>Második szint</a:t>
             </a:r>
           </a:p>
           <a:p>
             <a:pPr lvl="2"/>
             <a:r>
-              <a:rPr lang="hu-HU" smtClean="0"/>
+              <a:rPr lang="hu-HU"/>
               <a:t>Harmadik szint</a:t>
             </a:r>
           </a:p>
           <a:p>
             <a:pPr lvl="3"/>
             <a:r>
-              <a:rPr lang="hu-HU" smtClean="0"/>
+              <a:rPr lang="hu-HU"/>
               <a:t>Negyedik szint</a:t>
             </a:r>
           </a:p>
           <a:p>
             <a:pPr lvl="4"/>
             <a:r>
-              <a:rPr lang="hu-HU" smtClean="0"/>
+              <a:rPr lang="hu-HU"/>
               <a:t>Ötödik szint</a:t>
             </a:r>
             <a:endParaRPr lang="en-US" dirty="0"/>
@@ -5849,7 +5853,7 @@
           <a:p>
             <a:fld id="{1BA577CF-31C9-40C8-BE27-68A154E792B6}" type="datetimeFigureOut">
               <a:rPr lang="hu-HU" smtClean="0"/>
-              <a:t>2022.09.02</a:t>
+              <a:t>2022.09.30</a:t>
             </a:fld>
             <a:endParaRPr lang="hu-HU"/>
           </a:p>
@@ -6323,7 +6327,7 @@
           <a:lstStyle/>
           <a:p>
             <a:r>
-              <a:rPr lang="hu-HU" dirty="0" err="1" smtClean="0"/>
+              <a:rPr lang="hu-HU" dirty="0" err="1"/>
               <a:t>EMinem</a:t>
             </a:r>
             <a:endParaRPr lang="hu-HU" dirty="0"/>
@@ -6348,9 +6352,42 @@
           <a:lstStyle/>
           <a:p>
             <a:r>
+              <a:rPr lang="hu-HU" sz="6000" dirty="0" err="1"/>
+              <a:t>Verba</a:t>
+            </a:r>
+            <a:r>
               <a:rPr lang="hu-HU" sz="6000" dirty="0"/>
-              <a:t>6. csapat</a:t>
-            </a:r>
+              <a:t> </a:t>
+            </a:r>
+            <a:r>
+              <a:rPr lang="hu-HU" sz="6000" dirty="0" err="1"/>
+              <a:t>viktor</a:t>
+            </a:r>
+            <a:r>
+              <a:rPr lang="hu-HU" sz="6000" dirty="0"/>
+              <a:t>, varga </a:t>
+            </a:r>
+            <a:r>
+              <a:rPr lang="hu-HU" sz="6000" dirty="0" err="1"/>
+              <a:t>máté</a:t>
+            </a:r>
+            <a:r>
+              <a:rPr lang="hu-HU" sz="6000" dirty="0"/>
+              <a:t>, </a:t>
+            </a:r>
+            <a:r>
+              <a:rPr lang="hu-HU" sz="6000" dirty="0" err="1"/>
+              <a:t>zoltai</a:t>
+            </a:r>
+            <a:r>
+              <a:rPr lang="hu-HU" sz="6000" dirty="0"/>
+              <a:t> </a:t>
+            </a:r>
+            <a:r>
+              <a:rPr lang="hu-HU" sz="6000" dirty="0" err="1"/>
+              <a:t>balázs</a:t>
+            </a:r>
+            <a:endParaRPr lang="hu-HU" sz="6000" dirty="0"/>
           </a:p>
         </p:txBody>
       </p:sp>
@@ -6364,25 +6401,18 @@
   <p:clrMapOvr>
     <a:masterClrMapping/>
   </p:clrMapOvr>
-  <mc:AlternateContent xmlns:mc="http://schemas.openxmlformats.org/markup-compatibility/2006">
-    <mc:Choice xmlns:p15="http://schemas.microsoft.com/office/powerpoint/2012/main" Requires="p15">
+  <mc:AlternateContent xmlns:mc="http://schemas.openxmlformats.org/markup-compatibility/2006" xmlns:p15="http://schemas.microsoft.com/office/powerpoint/2012/main">
+    <mc:Choice Requires="p15">
       <p:transition xmlns:p14="http://schemas.microsoft.com/office/powerpoint/2010/main" spd="slow" p14:dur="6000">
         <p15:prstTrans prst="curtains"/>
       </p:transition>
     </mc:Choice>
-    <mc:Fallback>
+    <mc:Fallback xmlns="">
       <p:transition spd="slow">
         <p:fade/>
       </p:transition>
     </mc:Fallback>
   </mc:AlternateContent>
-  <p:timing>
-    <p:tnLst>
-      <p:par>
-        <p:cTn id="1" dur="indefinite" restart="never" nodeType="tmRoot"/>
-      </p:par>
-    </p:tnLst>
-  </p:timing>
 </p:sld>
 </file>
 
@@ -6419,10 +6449,9 @@
           <a:lstStyle/>
           <a:p>
             <a:r>
-              <a:rPr lang="hu-HU" dirty="0" smtClean="0"/>
+              <a:rPr lang="hu-HU" dirty="0"/>
               <a:t>Téma választásának okai?</a:t>
             </a:r>
-            <a:endParaRPr lang="hu-HU" dirty="0"/>
           </a:p>
         </p:txBody>
       </p:sp>
@@ -6436,34 +6465,38 @@
             <p:ph idx="1"/>
           </p:nvPr>
         </p:nvSpPr>
-        <p:spPr/>
+        <p:spPr>
+          <a:xfrm>
+            <a:off x="685800" y="1837765"/>
+            <a:ext cx="10396883" cy="3311189"/>
+          </a:xfrm>
+        </p:spPr>
         <p:txBody>
           <a:bodyPr/>
           <a:lstStyle/>
           <a:p>
             <a:r>
-              <a:rPr lang="hu-HU" dirty="0" smtClean="0"/>
+              <a:rPr lang="hu-HU" dirty="0"/>
               <a:t>Hatása a zeneiparra</a:t>
             </a:r>
           </a:p>
           <a:p>
             <a:r>
-              <a:rPr lang="hu-HU" dirty="0" smtClean="0"/>
+              <a:rPr lang="hu-HU" dirty="0"/>
               <a:t>Egyedi stílus</a:t>
             </a:r>
           </a:p>
           <a:p>
             <a:r>
-              <a:rPr lang="hu-HU" dirty="0" smtClean="0"/>
+              <a:rPr lang="hu-HU" dirty="0"/>
               <a:t>Mindhármunk által ismert és szeretett</a:t>
             </a:r>
           </a:p>
           <a:p>
             <a:r>
-              <a:rPr lang="hu-HU" dirty="0" smtClean="0"/>
+              <a:rPr lang="hu-HU" dirty="0"/>
               <a:t>Hosszú karrier</a:t>
             </a:r>
-            <a:endParaRPr lang="hu-HU" dirty="0"/>
           </a:p>
         </p:txBody>
       </p:sp>
@@ -6480,13 +6513,6 @@
   <p:transition spd="slow">
     <p:push dir="u"/>
   </p:transition>
-  <p:timing>
-    <p:tnLst>
-      <p:par>
-        <p:cTn id="1" dur="indefinite" restart="never" nodeType="tmRoot"/>
-      </p:par>
-    </p:tnLst>
-  </p:timing>
 </p:sld>
 </file>
 
@@ -6519,7 +6545,7 @@
         </p:nvSpPr>
         <p:spPr>
           <a:xfrm>
-            <a:off x="549265" y="1342290"/>
+            <a:off x="693642" y="685800"/>
             <a:ext cx="4126860" cy="888273"/>
           </a:xfrm>
         </p:spPr>
@@ -6530,55 +6556,25 @@
           <a:lstStyle/>
           <a:p>
             <a:r>
-              <a:rPr lang="hu-HU" sz="6000" dirty="0" smtClean="0"/>
-              <a:t>Rap god</a:t>
-            </a:r>
-            <a:endParaRPr lang="hu-HU" sz="6000" dirty="0"/>
-          </a:p>
-        </p:txBody>
-      </p:sp>
-      <p:pic>
-        <p:nvPicPr>
-          <p:cNvPr id="7" name="Tartalom helye 6"/>
-          <p:cNvPicPr>
-            <a:picLocks noGrp="1" noChangeAspect="1"/>
-          </p:cNvPicPr>
-          <p:nvPr>
-            <p:ph sz="quarter" idx="13"/>
-          </p:nvPr>
-        </p:nvPicPr>
-        <p:blipFill>
-          <a:blip r:embed="rId2">
-            <a:extLst>
-              <a:ext uri="{28A0092B-C50C-407E-A947-70E740481C1C}">
-                <a14:useLocalDpi xmlns:a14="http://schemas.microsoft.com/office/drawing/2010/main" val="0"/>
-              </a:ext>
-            </a:extLst>
-          </a:blip>
-          <a:stretch>
-            <a:fillRect/>
-          </a:stretch>
-        </p:blipFill>
+              <a:rPr lang="hu-HU" sz="6000" dirty="0"/>
+              <a:t>Főoldal</a:t>
+            </a:r>
+          </a:p>
+        </p:txBody>
+      </p:sp>
+      <p:sp>
+        <p:nvSpPr>
+          <p:cNvPr id="4" name="Szöveg helye 3"/>
+          <p:cNvSpPr>
+            <a:spLocks noGrp="1"/>
+          </p:cNvSpPr>
+          <p:nvPr>
+            <p:ph type="body" sz="half" idx="2"/>
+          </p:nvPr>
+        </p:nvSpPr>
         <p:spPr>
           <a:xfrm>
-            <a:off x="5046663" y="1342290"/>
-            <a:ext cx="6034087" cy="3376495"/>
-          </a:xfrm>
-        </p:spPr>
-      </p:pic>
-      <p:sp>
-        <p:nvSpPr>
-          <p:cNvPr id="4" name="Szöveg helye 3"/>
-          <p:cNvSpPr>
-            <a:spLocks noGrp="1"/>
-          </p:cNvSpPr>
-          <p:nvPr>
-            <p:ph type="body" sz="half" idx="2"/>
-          </p:nvPr>
-        </p:nvSpPr>
-        <p:spPr>
-          <a:xfrm>
-            <a:off x="693642" y="2406316"/>
+            <a:off x="693642" y="1848852"/>
             <a:ext cx="4126861" cy="3160295"/>
           </a:xfrm>
         </p:spPr>
@@ -6590,59 +6586,108 @@
           <a:p>
             <a:pPr algn="l"/>
             <a:r>
-              <a:rPr lang="en-US" sz="1600" dirty="0"/>
-              <a:t>Marshall Bruce </a:t>
-            </a:r>
-            <a:r>
-              <a:rPr lang="en-US" sz="1600" dirty="0" err="1"/>
-              <a:t>Mathers</a:t>
-            </a:r>
-            <a:r>
-              <a:rPr lang="en-US" sz="1600" dirty="0"/>
-              <a:t> III </a:t>
-            </a:r>
-            <a:r>
-              <a:rPr lang="en-US" sz="1600" dirty="0" smtClean="0"/>
-              <a:t>1972. </a:t>
-            </a:r>
-            <a:r>
-              <a:rPr lang="en-US" sz="1600" dirty="0" err="1" smtClean="0"/>
-              <a:t>október</a:t>
-            </a:r>
-            <a:r>
-              <a:rPr lang="en-US" sz="1600" dirty="0" smtClean="0"/>
-              <a:t> 17. </a:t>
-            </a:r>
-            <a:endParaRPr lang="hu-HU" sz="1600" dirty="0" smtClean="0"/>
+              <a:rPr lang="hu-HU" sz="2000" dirty="0"/>
+              <a:t>Mindhármunk által készült</a:t>
+            </a:r>
+          </a:p>
+          <a:p>
+            <a:r>
+              <a:rPr lang="hu-HU" sz="2000" dirty="0">
+                <a:solidFill>
+                  <a:srgbClr val="FF0000"/>
+                </a:solidFill>
+              </a:rPr>
+              <a:t>Felépítés:</a:t>
+            </a:r>
+          </a:p>
+          <a:p>
+            <a:pPr marL="285750" indent="-285750" algn="l">
+              <a:buFont typeface="Arial" panose="020B0604020202020204" pitchFamily="34" charset="0"/>
+              <a:buChar char="•"/>
+            </a:pPr>
+            <a:r>
+              <a:rPr lang="hu-HU" sz="2000" dirty="0" err="1"/>
+              <a:t>Navbar</a:t>
+            </a:r>
+            <a:r>
+              <a:rPr lang="hu-HU" sz="2000" dirty="0"/>
+              <a:t> és főcím - </a:t>
+            </a:r>
+            <a:r>
+              <a:rPr lang="hu-HU" sz="2000" dirty="0" err="1"/>
+              <a:t>viktor</a:t>
+            </a:r>
+            <a:endParaRPr lang="hu-HU" sz="2000" dirty="0"/>
+          </a:p>
+          <a:p>
+            <a:pPr marL="285750" indent="-285750" algn="l">
+              <a:buFont typeface="Arial" panose="020B0604020202020204" pitchFamily="34" charset="0"/>
+              <a:buChar char="•"/>
+            </a:pPr>
+            <a:r>
+              <a:rPr lang="hu-HU" sz="2000" dirty="0"/>
+              <a:t> fiktív események - </a:t>
+            </a:r>
+            <a:r>
+              <a:rPr lang="hu-HU" sz="2000" dirty="0" err="1"/>
+              <a:t>máté</a:t>
+            </a:r>
+            <a:endParaRPr lang="hu-HU" sz="2000" dirty="0"/>
+          </a:p>
+          <a:p>
+            <a:pPr marL="285750" indent="-285750" algn="l">
+              <a:buFont typeface="Arial" panose="020B0604020202020204" pitchFamily="34" charset="0"/>
+              <a:buChar char="•"/>
+            </a:pPr>
+            <a:r>
+              <a:rPr lang="hu-HU" sz="2000" dirty="0" err="1"/>
+              <a:t>Footer</a:t>
+            </a:r>
+            <a:r>
+              <a:rPr lang="hu-HU" sz="2000" dirty="0"/>
+              <a:t> - </a:t>
+            </a:r>
+            <a:r>
+              <a:rPr lang="hu-HU" sz="2000" dirty="0" err="1"/>
+              <a:t>balázs</a:t>
+            </a:r>
+            <a:endParaRPr lang="hu-HU" sz="2000" dirty="0"/>
+          </a:p>
+          <a:p>
+            <a:pPr marL="285750" indent="-285750" algn="l">
+              <a:buFont typeface="Arial" panose="020B0604020202020204" pitchFamily="34" charset="0"/>
+              <a:buChar char="•"/>
+            </a:pPr>
+            <a:endParaRPr lang="hu-HU" sz="2000" dirty="0"/>
           </a:p>
           <a:p>
             <a:pPr algn="l"/>
-            <a:r>
-              <a:rPr lang="hu-HU" sz="1600" dirty="0"/>
-              <a:t>amerikai rapper, zeneproducer, dalszerző és </a:t>
-            </a:r>
-            <a:r>
-              <a:rPr lang="hu-HU" sz="1600" dirty="0" smtClean="0"/>
-              <a:t>színész</a:t>
-            </a:r>
-          </a:p>
-          <a:p>
-            <a:pPr algn="l"/>
-            <a:r>
-              <a:rPr lang="hu-HU" sz="1600" dirty="0"/>
-              <a:t> Eminem a legtöbb lemezt eladott híresség a 2000-es években, az Egyesült </a:t>
-            </a:r>
-            <a:r>
-              <a:rPr lang="hu-HU" sz="1600" dirty="0" smtClean="0"/>
-              <a:t>Államokban</a:t>
-            </a:r>
-          </a:p>
-          <a:p>
-            <a:pPr algn="l"/>
-            <a:r>
-              <a:rPr lang="hu-HU" sz="1600" dirty="0"/>
-              <a:t>A Rolling Stone Minden idők 100 legnagyobb előadója nevű listáján a 82.</a:t>
-            </a:r>
+            <a:endParaRPr lang="hu-HU" sz="1600" dirty="0"/>
+          </a:p>
+        </p:txBody>
+      </p:sp>
+      <p:sp>
+        <p:nvSpPr>
+          <p:cNvPr id="5" name="Tartalom helye 4">
+            <a:extLst>
+              <a:ext uri="{FF2B5EF4-FFF2-40B4-BE49-F238E27FC236}">
+                <a16:creationId xmlns:a16="http://schemas.microsoft.com/office/drawing/2014/main" id="{2DB2F148-9EA1-480E-B852-58F002D0EECD}"/>
+              </a:ext>
+            </a:extLst>
+          </p:cNvPr>
+          <p:cNvSpPr>
+            <a:spLocks noGrp="1"/>
+          </p:cNvSpPr>
+          <p:nvPr>
+            <p:ph sz="quarter" idx="13"/>
+          </p:nvPr>
+        </p:nvSpPr>
+        <p:spPr/>
+        <p:txBody>
+          <a:bodyPr/>
+          <a:lstStyle/>
+          <a:p>
+            <a:endParaRPr lang="hu-HU"/>
           </a:p>
         </p:txBody>
       </p:sp>
@@ -6659,13 +6704,6 @@
   <p:transition spd="slow">
     <p:wipe/>
   </p:transition>
-  <p:timing>
-    <p:tnLst>
-      <p:par>
-        <p:cTn id="1" dur="indefinite" restart="never" nodeType="tmRoot"/>
-      </p:par>
-    </p:tnLst>
-  </p:timing>
 </p:sld>
 </file>
 
@@ -6688,83 +6726,24 @@
       </p:grpSpPr>
       <p:sp>
         <p:nvSpPr>
-          <p:cNvPr id="2" name="Cím 1"/>
+          <p:cNvPr id="2" name="Cím 1">
+            <a:extLst>
+              <a:ext uri="{FF2B5EF4-FFF2-40B4-BE49-F238E27FC236}">
+                <a16:creationId xmlns:a16="http://schemas.microsoft.com/office/drawing/2014/main" id="{90F8EB36-7564-4326-832D-150A07A24079}"/>
+              </a:ext>
+            </a:extLst>
+          </p:cNvPr>
           <p:cNvSpPr>
             <a:spLocks noGrp="1"/>
           </p:cNvSpPr>
           <p:nvPr>
             <p:ph type="title"/>
-          </p:nvPr>
-        </p:nvSpPr>
-        <p:spPr/>
-        <p:txBody>
-          <a:bodyPr/>
-          <a:lstStyle/>
-          <a:p>
-            <a:r>
-              <a:rPr lang="hu-HU" dirty="0" smtClean="0"/>
-              <a:t>kedvenceink</a:t>
-            </a:r>
-            <a:endParaRPr lang="hu-HU" dirty="0"/>
-          </a:p>
-        </p:txBody>
-      </p:sp>
-      <p:sp>
-        <p:nvSpPr>
-          <p:cNvPr id="3" name="Szöveg helye 2"/>
-          <p:cNvSpPr>
-            <a:spLocks noGrp="1"/>
-          </p:cNvSpPr>
-          <p:nvPr>
-            <p:ph type="body" idx="1"/>
-          </p:nvPr>
-        </p:nvSpPr>
-        <p:spPr/>
-        <p:txBody>
-          <a:bodyPr/>
-          <a:lstStyle/>
-          <a:p>
-            <a:r>
-              <a:rPr lang="hu-HU" dirty="0" smtClean="0"/>
-              <a:t>10.4 millió eladott</a:t>
-            </a:r>
-            <a:endParaRPr lang="hu-HU" dirty="0"/>
-          </a:p>
-        </p:txBody>
-      </p:sp>
-      <p:sp>
-        <p:nvSpPr>
-          <p:cNvPr id="4" name="Szöveg helye 3"/>
-          <p:cNvSpPr>
-            <a:spLocks noGrp="1"/>
-          </p:cNvSpPr>
-          <p:nvPr>
-            <p:ph type="body" sz="half" idx="15"/>
-          </p:nvPr>
-        </p:nvSpPr>
-        <p:spPr/>
-        <p:txBody>
-          <a:bodyPr/>
-          <a:lstStyle/>
-          <a:p>
-            <a:endParaRPr lang="hu-HU" dirty="0"/>
-          </a:p>
-        </p:txBody>
-      </p:sp>
-      <p:sp>
-        <p:nvSpPr>
-          <p:cNvPr id="5" name="Szöveg helye 4"/>
-          <p:cNvSpPr>
-            <a:spLocks noGrp="1"/>
-          </p:cNvSpPr>
-          <p:nvPr>
-            <p:ph type="body" sz="quarter" idx="3"/>
           </p:nvPr>
         </p:nvSpPr>
         <p:spPr>
           <a:xfrm>
-            <a:off x="4228091" y="1834663"/>
-            <a:ext cx="3310128" cy="795442"/>
+            <a:off x="485095" y="685800"/>
+            <a:ext cx="4126860" cy="1011626"/>
           </a:xfrm>
         </p:spPr>
         <p:txBody>
@@ -6772,21 +6751,26 @@
           <a:lstStyle/>
           <a:p>
             <a:r>
-              <a:rPr lang="hu-HU" dirty="0" smtClean="0"/>
-              <a:t>27 millió eladott</a:t>
-            </a:r>
-            <a:endParaRPr lang="hu-HU" dirty="0"/>
-          </a:p>
-        </p:txBody>
-      </p:sp>
-      <p:sp>
-        <p:nvSpPr>
-          <p:cNvPr id="6" name="Szöveg helye 5"/>
-          <p:cNvSpPr>
-            <a:spLocks noGrp="1"/>
-          </p:cNvSpPr>
-          <p:nvPr>
-            <p:ph type="body" sz="half" idx="16"/>
+              <a:rPr lang="hu-HU" sz="6000" dirty="0"/>
+              <a:t>Albumok</a:t>
+            </a:r>
+          </a:p>
+        </p:txBody>
+      </p:sp>
+      <p:sp>
+        <p:nvSpPr>
+          <p:cNvPr id="3" name="Tartalom helye 2">
+            <a:extLst>
+              <a:ext uri="{FF2B5EF4-FFF2-40B4-BE49-F238E27FC236}">
+                <a16:creationId xmlns:a16="http://schemas.microsoft.com/office/drawing/2014/main" id="{018E8CE1-3642-49E1-9BF0-414236491B3E}"/>
+              </a:ext>
+            </a:extLst>
+          </p:cNvPr>
+          <p:cNvSpPr>
+            <a:spLocks noGrp="1"/>
+          </p:cNvSpPr>
+          <p:nvPr>
+            <p:ph sz="quarter" idx="13"/>
           </p:nvPr>
         </p:nvSpPr>
         <p:spPr/>
@@ -6794,176 +6778,106 @@
           <a:bodyPr/>
           <a:lstStyle/>
           <a:p>
-            <a:endParaRPr lang="hu-HU" dirty="0"/>
-          </a:p>
-        </p:txBody>
-      </p:sp>
-      <p:sp>
-        <p:nvSpPr>
-          <p:cNvPr id="7" name="Szöveg helye 6"/>
-          <p:cNvSpPr>
-            <a:spLocks noGrp="1"/>
-          </p:cNvSpPr>
-          <p:nvPr>
-            <p:ph type="body" sz="quarter" idx="13"/>
+            <a:endParaRPr lang="hu-HU"/>
+          </a:p>
+        </p:txBody>
+      </p:sp>
+      <p:sp>
+        <p:nvSpPr>
+          <p:cNvPr id="4" name="Szöveg helye 3">
+            <a:extLst>
+              <a:ext uri="{FF2B5EF4-FFF2-40B4-BE49-F238E27FC236}">
+                <a16:creationId xmlns:a16="http://schemas.microsoft.com/office/drawing/2014/main" id="{5106F092-0561-4B34-AEBD-7B26A1322E9A}"/>
+              </a:ext>
+            </a:extLst>
+          </p:cNvPr>
+          <p:cNvSpPr>
+            <a:spLocks noGrp="1"/>
+          </p:cNvSpPr>
+          <p:nvPr>
+            <p:ph type="body" sz="half" idx="2"/>
           </p:nvPr>
         </p:nvSpPr>
         <p:spPr>
           <a:xfrm>
-            <a:off x="7770380" y="1925053"/>
-            <a:ext cx="3310128" cy="714604"/>
+            <a:off x="485094" y="2096233"/>
+            <a:ext cx="4126861" cy="2665533"/>
           </a:xfrm>
         </p:spPr>
         <p:txBody>
-          <a:bodyPr/>
-          <a:lstStyle/>
-          <a:p>
-            <a:r>
-              <a:rPr lang="hu-HU" dirty="0" smtClean="0"/>
-              <a:t>18 millió eladott</a:t>
-            </a:r>
-            <a:endParaRPr lang="hu-HU" dirty="0"/>
-          </a:p>
-        </p:txBody>
-      </p:sp>
-      <p:sp>
-        <p:nvSpPr>
-          <p:cNvPr id="8" name="Szöveg helye 7"/>
-          <p:cNvSpPr>
-            <a:spLocks noGrp="1"/>
-          </p:cNvSpPr>
-          <p:nvPr>
-            <p:ph type="body" sz="half" idx="17"/>
-          </p:nvPr>
-        </p:nvSpPr>
-        <p:spPr/>
-        <p:txBody>
-          <a:bodyPr/>
-          <a:lstStyle/>
-          <a:p>
-            <a:endParaRPr lang="hu-HU" dirty="0"/>
-          </a:p>
-        </p:txBody>
-      </p:sp>
-      <p:pic>
-        <p:nvPicPr>
-          <p:cNvPr id="9" name="Kép 8"/>
-          <p:cNvPicPr>
-            <a:picLocks noChangeAspect="1"/>
-          </p:cNvPicPr>
-          <p:nvPr/>
-        </p:nvPicPr>
-        <p:blipFill>
-          <a:blip r:embed="rId2">
-            <a:extLst>
-              <a:ext uri="{28A0092B-C50C-407E-A947-70E740481C1C}">
-                <a14:useLocalDpi xmlns:a14="http://schemas.microsoft.com/office/drawing/2010/main" val="0"/>
-              </a:ext>
-            </a:extLst>
-          </a:blip>
-          <a:stretch>
-            <a:fillRect/>
-          </a:stretch>
-        </p:blipFill>
-        <p:spPr>
-          <a:xfrm>
-            <a:off x="968625" y="2639657"/>
-            <a:ext cx="2744482" cy="2744482"/>
-          </a:xfrm>
-          <a:prstGeom prst="rect">
-            <a:avLst/>
-          </a:prstGeom>
-        </p:spPr>
-      </p:pic>
-      <p:pic>
-        <p:nvPicPr>
-          <p:cNvPr id="10" name="Kép 9"/>
-          <p:cNvPicPr>
-            <a:picLocks noChangeAspect="1"/>
-          </p:cNvPicPr>
-          <p:nvPr/>
-        </p:nvPicPr>
-        <p:blipFill>
-          <a:blip r:embed="rId3">
-            <a:extLst>
-              <a:ext uri="{28A0092B-C50C-407E-A947-70E740481C1C}">
-                <a14:useLocalDpi xmlns:a14="http://schemas.microsoft.com/office/drawing/2010/main" val="0"/>
-              </a:ext>
-            </a:extLst>
-          </a:blip>
-          <a:stretch>
-            <a:fillRect/>
-          </a:stretch>
-        </p:blipFill>
-        <p:spPr>
-          <a:xfrm>
-            <a:off x="4528154" y="2639656"/>
-            <a:ext cx="2744481" cy="2744481"/>
-          </a:xfrm>
-          <a:prstGeom prst="rect">
-            <a:avLst/>
-          </a:prstGeom>
-        </p:spPr>
-      </p:pic>
-      <p:pic>
-        <p:nvPicPr>
-          <p:cNvPr id="11" name="Kép 10"/>
-          <p:cNvPicPr>
-            <a:picLocks noChangeAspect="1"/>
-          </p:cNvPicPr>
-          <p:nvPr/>
-        </p:nvPicPr>
-        <p:blipFill>
-          <a:blip r:embed="rId4">
-            <a:extLst>
-              <a:ext uri="{28A0092B-C50C-407E-A947-70E740481C1C}">
-                <a14:useLocalDpi xmlns:a14="http://schemas.microsoft.com/office/drawing/2010/main" val="0"/>
-              </a:ext>
-            </a:extLst>
-          </a:blip>
-          <a:stretch>
-            <a:fillRect/>
-          </a:stretch>
-        </p:blipFill>
-        <p:spPr>
-          <a:xfrm>
-            <a:off x="8063913" y="2639655"/>
-            <a:ext cx="2744483" cy="2744483"/>
-          </a:xfrm>
-          <a:prstGeom prst="rect">
-            <a:avLst/>
-          </a:prstGeom>
-        </p:spPr>
-      </p:pic>
+          <a:bodyPr>
+            <a:normAutofit/>
+          </a:bodyPr>
+          <a:lstStyle/>
+          <a:p>
+            <a:pPr algn="l"/>
+            <a:r>
+              <a:rPr lang="hu-HU" sz="2000" dirty="0"/>
+              <a:t>Készítette: </a:t>
+            </a:r>
+            <a:r>
+              <a:rPr lang="hu-HU" sz="2000" dirty="0" err="1"/>
+              <a:t>Zoltai</a:t>
+            </a:r>
+            <a:r>
+              <a:rPr lang="hu-HU" sz="2000" dirty="0"/>
+              <a:t> Balázs</a:t>
+            </a:r>
+          </a:p>
+          <a:p>
+            <a:r>
+              <a:rPr lang="hu-HU" sz="2000" dirty="0">
+                <a:solidFill>
+                  <a:srgbClr val="FF0000"/>
+                </a:solidFill>
+              </a:rPr>
+              <a:t>Felépítés:</a:t>
+            </a:r>
+          </a:p>
+          <a:p>
+            <a:pPr marL="285750" indent="-285750" algn="l">
+              <a:buFont typeface="Arial" panose="020B0604020202020204" pitchFamily="34" charset="0"/>
+              <a:buChar char="•"/>
+            </a:pPr>
+            <a:r>
+              <a:rPr lang="hu-HU" sz="2000" dirty="0" err="1"/>
+              <a:t>navbar</a:t>
+            </a:r>
+            <a:endParaRPr lang="hu-HU" sz="2000" dirty="0"/>
+          </a:p>
+          <a:p>
+            <a:pPr marL="285750" indent="-285750" algn="l">
+              <a:buFont typeface="Arial" panose="020B0604020202020204" pitchFamily="34" charset="0"/>
+              <a:buChar char="•"/>
+            </a:pPr>
+            <a:r>
+              <a:rPr lang="hu-HU" sz="2000" dirty="0"/>
+              <a:t>Borítók rács elrendezésben</a:t>
+            </a:r>
+          </a:p>
+          <a:p>
+            <a:pPr marL="285750" indent="-285750" algn="l">
+              <a:buFont typeface="Arial" panose="020B0604020202020204" pitchFamily="34" charset="0"/>
+              <a:buChar char="•"/>
+            </a:pPr>
+            <a:r>
+              <a:rPr lang="hu-HU" sz="2000" dirty="0" err="1"/>
+              <a:t>footer</a:t>
+            </a:r>
+            <a:endParaRPr lang="hu-HU" sz="2000" dirty="0"/>
+          </a:p>
+        </p:txBody>
+      </p:sp>
     </p:spTree>
     <p:extLst>
       <p:ext uri="{BB962C8B-B14F-4D97-AF65-F5344CB8AC3E}">
-        <p14:creationId xmlns:p14="http://schemas.microsoft.com/office/powerpoint/2010/main" val="182981727"/>
+        <p14:creationId xmlns:p14="http://schemas.microsoft.com/office/powerpoint/2010/main" val="3562804631"/>
       </p:ext>
     </p:extLst>
   </p:cSld>
   <p:clrMapOvr>
     <a:masterClrMapping/>
   </p:clrMapOvr>
-  <mc:AlternateContent xmlns:mc="http://schemas.openxmlformats.org/markup-compatibility/2006">
-    <mc:Choice xmlns:p15="http://schemas.microsoft.com/office/powerpoint/2012/main" Requires="p15">
-      <p:transition xmlns:p14="http://schemas.microsoft.com/office/powerpoint/2010/main" spd="slow" p14:dur="2000">
-        <p15:prstTrans prst="drape"/>
-      </p:transition>
-    </mc:Choice>
-    <mc:Fallback>
-      <p:transition spd="slow">
-        <p:fade/>
-      </p:transition>
-    </mc:Fallback>
-  </mc:AlternateContent>
-  <p:timing>
-    <p:tnLst>
-      <p:par>
-        <p:cTn id="1" dur="indefinite" restart="never" nodeType="tmRoot"/>
-      </p:par>
-    </p:tnLst>
-  </p:timing>
 </p:sld>
 </file>
 
@@ -6986,7 +6900,13 @@
       </p:grpSpPr>
       <p:sp>
         <p:nvSpPr>
-          <p:cNvPr id="2" name="Cím 1"/>
+          <p:cNvPr id="2" name="Cím 1">
+            <a:extLst>
+              <a:ext uri="{FF2B5EF4-FFF2-40B4-BE49-F238E27FC236}">
+                <a16:creationId xmlns:a16="http://schemas.microsoft.com/office/drawing/2014/main" id="{D8FD1837-746F-4E06-958D-26745AD86D0A}"/>
+              </a:ext>
+            </a:extLst>
+          </p:cNvPr>
           <p:cNvSpPr>
             <a:spLocks noGrp="1"/>
           </p:cNvSpPr>
@@ -6994,328 +6914,151 @@
             <p:ph type="title"/>
           </p:nvPr>
         </p:nvSpPr>
+        <p:spPr>
+          <a:xfrm>
+            <a:off x="693643" y="685800"/>
+            <a:ext cx="4126860" cy="1032652"/>
+          </a:xfrm>
+        </p:spPr>
+        <p:txBody>
+          <a:bodyPr/>
+          <a:lstStyle/>
+          <a:p>
+            <a:r>
+              <a:rPr lang="hu-HU" sz="6000" dirty="0"/>
+              <a:t>Életrajz</a:t>
+            </a:r>
+          </a:p>
+        </p:txBody>
+      </p:sp>
+      <p:sp>
+        <p:nvSpPr>
+          <p:cNvPr id="3" name="Tartalom helye 2">
+            <a:extLst>
+              <a:ext uri="{FF2B5EF4-FFF2-40B4-BE49-F238E27FC236}">
+                <a16:creationId xmlns:a16="http://schemas.microsoft.com/office/drawing/2014/main" id="{2C530598-ECD1-4574-9331-7773846F669A}"/>
+              </a:ext>
+            </a:extLst>
+          </p:cNvPr>
+          <p:cNvSpPr>
+            <a:spLocks noGrp="1"/>
+          </p:cNvSpPr>
+          <p:nvPr>
+            <p:ph sz="quarter" idx="13"/>
+          </p:nvPr>
+        </p:nvSpPr>
         <p:spPr/>
         <p:txBody>
           <a:bodyPr/>
           <a:lstStyle/>
           <a:p>
-            <a:r>
-              <a:rPr lang="hu-HU" dirty="0" smtClean="0"/>
-              <a:t>10 leghíresebb száma</a:t>
-            </a:r>
-            <a:endParaRPr lang="hu-HU" dirty="0"/>
-          </a:p>
-        </p:txBody>
-      </p:sp>
-      <p:sp>
-        <p:nvSpPr>
-          <p:cNvPr id="3" name="Tartalom helye 2"/>
-          <p:cNvSpPr>
-            <a:spLocks noGrp="1"/>
-          </p:cNvSpPr>
-          <p:nvPr>
-            <p:ph sz="quarter" idx="13"/>
-          </p:nvPr>
-        </p:nvSpPr>
-        <p:spPr/>
-        <p:txBody>
-          <a:bodyPr/>
-          <a:lstStyle/>
-          <a:p>
-            <a:pPr marL="457200" indent="-457200">
-              <a:buFont typeface="+mj-lt"/>
-              <a:buAutoNum type="arabicPeriod"/>
+            <a:endParaRPr lang="hu-HU"/>
+          </a:p>
+        </p:txBody>
+      </p:sp>
+      <p:sp>
+        <p:nvSpPr>
+          <p:cNvPr id="4" name="Szöveg helye 3">
+            <a:extLst>
+              <a:ext uri="{FF2B5EF4-FFF2-40B4-BE49-F238E27FC236}">
+                <a16:creationId xmlns:a16="http://schemas.microsoft.com/office/drawing/2014/main" id="{476A7EBD-6E2A-4CA8-946F-6559A4231ED2}"/>
+              </a:ext>
+            </a:extLst>
+          </p:cNvPr>
+          <p:cNvSpPr>
+            <a:spLocks noGrp="1"/>
+          </p:cNvSpPr>
+          <p:nvPr>
+            <p:ph type="body" sz="half" idx="2"/>
+          </p:nvPr>
+        </p:nvSpPr>
+        <p:spPr>
+          <a:xfrm>
+            <a:off x="693643" y="2096233"/>
+            <a:ext cx="4126861" cy="2665533"/>
+          </a:xfrm>
+        </p:spPr>
+        <p:txBody>
+          <a:bodyPr>
+            <a:noAutofit/>
+          </a:bodyPr>
+          <a:lstStyle/>
+          <a:p>
+            <a:pPr algn="l"/>
+            <a:r>
+              <a:rPr lang="hu-HU" sz="2000" dirty="0"/>
+              <a:t>Készítette: Varga </a:t>
+            </a:r>
+            <a:r>
+              <a:rPr lang="hu-HU" sz="2000" dirty="0" err="1"/>
+              <a:t>máté</a:t>
+            </a:r>
+            <a:endParaRPr lang="hu-HU" sz="2000" dirty="0"/>
+          </a:p>
+          <a:p>
+            <a:r>
+              <a:rPr lang="hu-HU" sz="2000" dirty="0">
+                <a:solidFill>
+                  <a:srgbClr val="FF0000"/>
+                </a:solidFill>
+              </a:rPr>
+              <a:t>Felépítés:</a:t>
+            </a:r>
+          </a:p>
+          <a:p>
+            <a:pPr marL="285750" indent="-285750" algn="l">
+              <a:buFont typeface="Arial" panose="020B0604020202020204" pitchFamily="34" charset="0"/>
+              <a:buChar char="•"/>
             </a:pPr>
             <a:r>
-              <a:rPr lang="hu-HU" dirty="0" smtClean="0"/>
-              <a:t>Till i </a:t>
-            </a:r>
-            <a:r>
-              <a:rPr lang="hu-HU" dirty="0" err="1" smtClean="0"/>
-              <a:t>collapse</a:t>
-            </a:r>
-            <a:r>
-              <a:rPr lang="hu-HU" dirty="0" smtClean="0"/>
-              <a:t> - 1.1 milliárd</a:t>
-            </a:r>
-          </a:p>
-          <a:p>
-            <a:pPr marL="457200" indent="-457200">
-              <a:buFont typeface="+mj-lt"/>
-              <a:buAutoNum type="arabicPeriod"/>
+              <a:rPr lang="hu-HU" sz="2000" dirty="0" err="1"/>
+              <a:t>Navbar</a:t>
+            </a:r>
+            <a:endParaRPr lang="hu-HU" sz="2000" dirty="0"/>
+          </a:p>
+          <a:p>
+            <a:pPr marL="285750" indent="-285750" algn="l">
+              <a:buFont typeface="Arial" panose="020B0604020202020204" pitchFamily="34" charset="0"/>
+              <a:buChar char="•"/>
             </a:pPr>
             <a:r>
-              <a:rPr lang="hu-HU" dirty="0" err="1" smtClean="0"/>
-              <a:t>Lose</a:t>
-            </a:r>
-            <a:r>
-              <a:rPr lang="hu-HU" dirty="0" smtClean="0"/>
-              <a:t> </a:t>
-            </a:r>
-            <a:r>
-              <a:rPr lang="hu-HU" dirty="0" err="1" smtClean="0"/>
-              <a:t>yourself</a:t>
-            </a:r>
-            <a:r>
-              <a:rPr lang="hu-HU" dirty="0" smtClean="0"/>
-              <a:t> -  1 milliárd</a:t>
-            </a:r>
-          </a:p>
-          <a:p>
-            <a:pPr marL="457200" indent="-457200">
-              <a:buFont typeface="+mj-lt"/>
-              <a:buAutoNum type="arabicPeriod"/>
+              <a:rPr lang="hu-HU" sz="2000" dirty="0"/>
+              <a:t>Főcím</a:t>
+            </a:r>
+          </a:p>
+          <a:p>
+            <a:pPr marL="285750" indent="-285750" algn="l">
+              <a:buFont typeface="Arial" panose="020B0604020202020204" pitchFamily="34" charset="0"/>
+              <a:buChar char="•"/>
             </a:pPr>
             <a:r>
-              <a:rPr lang="hu-HU" dirty="0" err="1" smtClean="0"/>
-              <a:t>Without</a:t>
-            </a:r>
-            <a:r>
-              <a:rPr lang="hu-HU" dirty="0" smtClean="0"/>
-              <a:t> me - 860 millió</a:t>
-            </a:r>
-          </a:p>
-          <a:p>
-            <a:pPr marL="457200" indent="-457200">
-              <a:buFont typeface="+mj-lt"/>
-              <a:buAutoNum type="arabicPeriod"/>
+              <a:rPr lang="hu-HU" sz="2000" dirty="0"/>
+              <a:t>Tartalom és képek váltakozó keretekben</a:t>
+            </a:r>
+          </a:p>
+          <a:p>
+            <a:pPr marL="285750" indent="-285750" algn="l">
+              <a:buFont typeface="Arial" panose="020B0604020202020204" pitchFamily="34" charset="0"/>
+              <a:buChar char="•"/>
             </a:pPr>
             <a:r>
-              <a:rPr lang="hu-HU" dirty="0" smtClean="0"/>
-              <a:t>Love </a:t>
-            </a:r>
-            <a:r>
-              <a:rPr lang="hu-HU" dirty="0" err="1" smtClean="0"/>
-              <a:t>the</a:t>
-            </a:r>
-            <a:r>
-              <a:rPr lang="hu-HU" dirty="0" smtClean="0"/>
-              <a:t> </a:t>
-            </a:r>
-            <a:r>
-              <a:rPr lang="hu-HU" dirty="0" err="1" smtClean="0"/>
-              <a:t>way</a:t>
-            </a:r>
-            <a:r>
-              <a:rPr lang="hu-HU" dirty="0" smtClean="0"/>
-              <a:t> </a:t>
-            </a:r>
-            <a:r>
-              <a:rPr lang="hu-HU" dirty="0" err="1" smtClean="0"/>
-              <a:t>you</a:t>
-            </a:r>
-            <a:r>
-              <a:rPr lang="hu-HU" dirty="0" smtClean="0"/>
-              <a:t> </a:t>
-            </a:r>
-            <a:r>
-              <a:rPr lang="hu-HU" dirty="0" err="1" smtClean="0"/>
-              <a:t>lie</a:t>
-            </a:r>
-            <a:r>
-              <a:rPr lang="hu-HU" dirty="0" smtClean="0"/>
-              <a:t> - 830 millió</a:t>
-            </a:r>
-          </a:p>
-          <a:p>
-            <a:pPr marL="457200" indent="-457200">
-              <a:buFont typeface="+mj-lt"/>
-              <a:buAutoNum type="arabicPeriod"/>
-            </a:pPr>
-            <a:r>
-              <a:rPr lang="hu-HU" dirty="0" smtClean="0"/>
-              <a:t>Rap god - 741 millió</a:t>
-            </a:r>
-          </a:p>
-          <a:p>
-            <a:pPr marL="457200" indent="-457200">
-              <a:buFont typeface="+mj-lt"/>
-              <a:buAutoNum type="arabicPeriod"/>
-            </a:pPr>
-            <a:endParaRPr lang="hu-HU" dirty="0"/>
-          </a:p>
-        </p:txBody>
-      </p:sp>
-      <p:sp>
-        <p:nvSpPr>
-          <p:cNvPr id="4" name="Tartalom helye 3"/>
-          <p:cNvSpPr>
-            <a:spLocks noGrp="1"/>
-          </p:cNvSpPr>
-          <p:nvPr>
-            <p:ph sz="quarter" idx="14"/>
-          </p:nvPr>
-        </p:nvSpPr>
-        <p:spPr/>
-        <p:txBody>
-          <a:bodyPr/>
-          <a:lstStyle/>
-          <a:p>
-            <a:pPr marL="457200" indent="-457200">
-              <a:buFont typeface="+mj-lt"/>
-              <a:buAutoNum type="arabicPeriod" startAt="6"/>
-            </a:pPr>
-            <a:r>
-              <a:rPr lang="hu-HU" dirty="0" err="1" smtClean="0"/>
-              <a:t>Godzilla</a:t>
-            </a:r>
-            <a:r>
-              <a:rPr lang="hu-HU" dirty="0" smtClean="0"/>
-              <a:t> - 701 millió</a:t>
-            </a:r>
-          </a:p>
-          <a:p>
-            <a:pPr marL="457200" indent="-457200">
-              <a:buFont typeface="+mj-lt"/>
-              <a:buAutoNum type="arabicPeriod" startAt="6"/>
-            </a:pPr>
-            <a:r>
-              <a:rPr lang="hu-HU" dirty="0" smtClean="0"/>
-              <a:t>The </a:t>
-            </a:r>
-            <a:r>
-              <a:rPr lang="hu-HU" dirty="0" err="1" smtClean="0"/>
-              <a:t>real</a:t>
-            </a:r>
-            <a:r>
-              <a:rPr lang="hu-HU" dirty="0" smtClean="0"/>
-              <a:t> </a:t>
-            </a:r>
-            <a:r>
-              <a:rPr lang="hu-HU" dirty="0" err="1" smtClean="0"/>
-              <a:t>slim</a:t>
-            </a:r>
-            <a:r>
-              <a:rPr lang="hu-HU" dirty="0" smtClean="0"/>
-              <a:t> </a:t>
-            </a:r>
-            <a:r>
-              <a:rPr lang="hu-HU" dirty="0" err="1" smtClean="0"/>
-              <a:t>shady</a:t>
-            </a:r>
-            <a:r>
-              <a:rPr lang="hu-HU" dirty="0" smtClean="0"/>
-              <a:t> - 688 millió</a:t>
-            </a:r>
-          </a:p>
-          <a:p>
-            <a:pPr marL="457200" indent="-457200">
-              <a:buFont typeface="+mj-lt"/>
-              <a:buAutoNum type="arabicPeriod" startAt="6"/>
-            </a:pPr>
-            <a:r>
-              <a:rPr lang="hu-HU" dirty="0" smtClean="0"/>
-              <a:t>The </a:t>
-            </a:r>
-            <a:r>
-              <a:rPr lang="hu-HU" dirty="0" err="1" smtClean="0"/>
-              <a:t>monster</a:t>
-            </a:r>
-            <a:r>
-              <a:rPr lang="hu-HU" dirty="0" smtClean="0"/>
-              <a:t> - 650 millió</a:t>
-            </a:r>
-          </a:p>
-          <a:p>
-            <a:pPr marL="457200" indent="-457200">
-              <a:buFont typeface="+mj-lt"/>
-              <a:buAutoNum type="arabicPeriod" startAt="6"/>
-            </a:pPr>
-            <a:r>
-              <a:rPr lang="hu-HU" dirty="0" err="1" smtClean="0"/>
-              <a:t>Not</a:t>
-            </a:r>
-            <a:r>
-              <a:rPr lang="hu-HU" dirty="0" smtClean="0"/>
-              <a:t> </a:t>
-            </a:r>
-            <a:r>
-              <a:rPr lang="hu-HU" dirty="0" err="1" smtClean="0"/>
-              <a:t>afraid</a:t>
-            </a:r>
-            <a:r>
-              <a:rPr lang="hu-HU" dirty="0" smtClean="0"/>
-              <a:t> - 580 millió</a:t>
-            </a:r>
-          </a:p>
-          <a:p>
-            <a:pPr marL="457200" indent="-457200">
-              <a:buFont typeface="+mj-lt"/>
-              <a:buAutoNum type="arabicPeriod" startAt="6"/>
-            </a:pPr>
-            <a:r>
-              <a:rPr lang="hu-HU" dirty="0" smtClean="0"/>
-              <a:t>The </a:t>
-            </a:r>
-            <a:r>
-              <a:rPr lang="hu-HU" dirty="0" err="1" smtClean="0"/>
-              <a:t>adventures</a:t>
-            </a:r>
-            <a:r>
-              <a:rPr lang="hu-HU" dirty="0" smtClean="0"/>
-              <a:t> of </a:t>
-            </a:r>
-            <a:r>
-              <a:rPr lang="hu-HU" dirty="0" err="1" smtClean="0"/>
-              <a:t>moon</a:t>
-            </a:r>
-            <a:r>
-              <a:rPr lang="hu-HU" dirty="0" smtClean="0"/>
-              <a:t> </a:t>
-            </a:r>
-            <a:r>
-              <a:rPr lang="hu-HU" dirty="0" err="1" smtClean="0"/>
-              <a:t>man&amp;slim</a:t>
-            </a:r>
-            <a:r>
-              <a:rPr lang="hu-HU" dirty="0" smtClean="0"/>
-              <a:t> </a:t>
-            </a:r>
-            <a:r>
-              <a:rPr lang="hu-HU" dirty="0" err="1" smtClean="0"/>
-              <a:t>shady</a:t>
-            </a:r>
-            <a:r>
-              <a:rPr lang="hu-HU" dirty="0" smtClean="0"/>
-              <a:t> - </a:t>
-            </a:r>
-            <a:r>
-              <a:rPr lang="hu-HU" dirty="0" err="1" smtClean="0"/>
-              <a:t>dunno</a:t>
-            </a:r>
-            <a:endParaRPr lang="hu-HU" dirty="0"/>
+              <a:rPr lang="hu-HU" sz="2000" dirty="0" err="1"/>
+              <a:t>footer</a:t>
+            </a:r>
+            <a:endParaRPr lang="hu-HU" sz="2000" dirty="0"/>
           </a:p>
         </p:txBody>
       </p:sp>
     </p:spTree>
     <p:extLst>
       <p:ext uri="{BB962C8B-B14F-4D97-AF65-F5344CB8AC3E}">
-        <p14:creationId xmlns:p14="http://schemas.microsoft.com/office/powerpoint/2010/main" val="82387303"/>
+        <p14:creationId xmlns:p14="http://schemas.microsoft.com/office/powerpoint/2010/main" val="4266826389"/>
       </p:ext>
     </p:extLst>
   </p:cSld>
   <p:clrMapOvr>
     <a:masterClrMapping/>
   </p:clrMapOvr>
-  <mc:AlternateContent xmlns:mc="http://schemas.openxmlformats.org/markup-compatibility/2006">
-    <mc:Choice xmlns:p15="http://schemas.microsoft.com/office/powerpoint/2012/main" Requires="p15">
-      <p:transition xmlns:p14="http://schemas.microsoft.com/office/powerpoint/2010/main" spd="slow" p14:dur="2000">
-        <p15:prstTrans prst="fracture"/>
-      </p:transition>
-    </mc:Choice>
-    <mc:Fallback>
-      <p:transition spd="slow">
-        <p:fade/>
-      </p:transition>
-    </mc:Fallback>
-  </mc:AlternateContent>
-  <p:timing>
-    <p:tnLst>
-      <p:par>
-        <p:cTn id="1" dur="indefinite" restart="never" nodeType="tmRoot"/>
-      </p:par>
-    </p:tnLst>
-  </p:timing>
 </p:sld>
 </file>
 
@@ -7338,6 +7081,195 @@
       </p:grpSpPr>
       <p:sp>
         <p:nvSpPr>
+          <p:cNvPr id="2" name="Cím 1">
+            <a:extLst>
+              <a:ext uri="{FF2B5EF4-FFF2-40B4-BE49-F238E27FC236}">
+                <a16:creationId xmlns:a16="http://schemas.microsoft.com/office/drawing/2014/main" id="{E1D3D695-B423-4CED-88C9-0F33659669A5}"/>
+              </a:ext>
+            </a:extLst>
+          </p:cNvPr>
+          <p:cNvSpPr>
+            <a:spLocks noGrp="1"/>
+          </p:cNvSpPr>
+          <p:nvPr>
+            <p:ph type="title"/>
+          </p:nvPr>
+        </p:nvSpPr>
+        <p:spPr>
+          <a:xfrm>
+            <a:off x="693643" y="673768"/>
+            <a:ext cx="4126860" cy="960463"/>
+          </a:xfrm>
+        </p:spPr>
+        <p:txBody>
+          <a:bodyPr/>
+          <a:lstStyle/>
+          <a:p>
+            <a:r>
+              <a:rPr lang="hu-HU" sz="6000" dirty="0"/>
+              <a:t>shop</a:t>
+            </a:r>
+          </a:p>
+        </p:txBody>
+      </p:sp>
+      <p:sp>
+        <p:nvSpPr>
+          <p:cNvPr id="3" name="Tartalom helye 2">
+            <a:extLst>
+              <a:ext uri="{FF2B5EF4-FFF2-40B4-BE49-F238E27FC236}">
+                <a16:creationId xmlns:a16="http://schemas.microsoft.com/office/drawing/2014/main" id="{B25DEB27-830D-45D3-BDE0-F46E695DBADF}"/>
+              </a:ext>
+            </a:extLst>
+          </p:cNvPr>
+          <p:cNvSpPr>
+            <a:spLocks noGrp="1"/>
+          </p:cNvSpPr>
+          <p:nvPr>
+            <p:ph sz="quarter" idx="13"/>
+          </p:nvPr>
+        </p:nvSpPr>
+        <p:spPr/>
+        <p:txBody>
+          <a:bodyPr/>
+          <a:lstStyle/>
+          <a:p>
+            <a:endParaRPr lang="hu-HU"/>
+          </a:p>
+        </p:txBody>
+      </p:sp>
+      <p:sp>
+        <p:nvSpPr>
+          <p:cNvPr id="4" name="Szöveg helye 3">
+            <a:extLst>
+              <a:ext uri="{FF2B5EF4-FFF2-40B4-BE49-F238E27FC236}">
+                <a16:creationId xmlns:a16="http://schemas.microsoft.com/office/drawing/2014/main" id="{0459C385-7CA0-4C20-85F9-B75581797A09}"/>
+              </a:ext>
+            </a:extLst>
+          </p:cNvPr>
+          <p:cNvSpPr>
+            <a:spLocks noGrp="1"/>
+          </p:cNvSpPr>
+          <p:nvPr>
+            <p:ph type="body" sz="half" idx="2"/>
+          </p:nvPr>
+        </p:nvSpPr>
+        <p:spPr>
+          <a:xfrm>
+            <a:off x="693643" y="2096233"/>
+            <a:ext cx="4126861" cy="2665533"/>
+          </a:xfrm>
+        </p:spPr>
+        <p:txBody>
+          <a:bodyPr>
+            <a:noAutofit/>
+          </a:bodyPr>
+          <a:lstStyle/>
+          <a:p>
+            <a:pPr algn="l"/>
+            <a:r>
+              <a:rPr lang="hu-HU" sz="2000" dirty="0"/>
+              <a:t>Készítette: </a:t>
+            </a:r>
+            <a:r>
+              <a:rPr lang="hu-HU" sz="2000" dirty="0" err="1"/>
+              <a:t>verba</a:t>
+            </a:r>
+            <a:r>
+              <a:rPr lang="hu-HU" sz="2000" dirty="0"/>
+              <a:t> </a:t>
+            </a:r>
+            <a:r>
+              <a:rPr lang="hu-HU" sz="2000" dirty="0" err="1"/>
+              <a:t>viktor</a:t>
+            </a:r>
+            <a:endParaRPr lang="hu-HU" sz="2000" dirty="0"/>
+          </a:p>
+          <a:p>
+            <a:r>
+              <a:rPr lang="hu-HU" sz="2000" dirty="0">
+                <a:solidFill>
+                  <a:srgbClr val="FF0000"/>
+                </a:solidFill>
+              </a:rPr>
+              <a:t>Felépítés:</a:t>
+            </a:r>
+          </a:p>
+          <a:p>
+            <a:pPr marL="285750" indent="-285750" algn="l">
+              <a:buFont typeface="Arial" panose="020B0604020202020204" pitchFamily="34" charset="0"/>
+              <a:buChar char="•"/>
+            </a:pPr>
+            <a:r>
+              <a:rPr lang="hu-HU" sz="2000" dirty="0" err="1"/>
+              <a:t>Navbar</a:t>
+            </a:r>
+            <a:endParaRPr lang="hu-HU" sz="2000" dirty="0"/>
+          </a:p>
+          <a:p>
+            <a:pPr marL="285750" indent="-285750" algn="l">
+              <a:buFont typeface="Arial" panose="020B0604020202020204" pitchFamily="34" charset="0"/>
+              <a:buChar char="•"/>
+            </a:pPr>
+            <a:r>
+              <a:rPr lang="hu-HU" sz="2000" dirty="0"/>
+              <a:t>Főcím</a:t>
+            </a:r>
+          </a:p>
+          <a:p>
+            <a:pPr marL="285750" indent="-285750" algn="l">
+              <a:buFont typeface="Arial" panose="020B0604020202020204" pitchFamily="34" charset="0"/>
+              <a:buChar char="•"/>
+            </a:pPr>
+            <a:r>
+              <a:rPr lang="hu-HU" sz="2000" dirty="0"/>
+              <a:t>Termékek forgó képes keretekkel</a:t>
+            </a:r>
+          </a:p>
+          <a:p>
+            <a:pPr marL="285750" indent="-285750" algn="l">
+              <a:buFont typeface="Arial" panose="020B0604020202020204" pitchFamily="34" charset="0"/>
+              <a:buChar char="•"/>
+            </a:pPr>
+            <a:r>
+              <a:rPr lang="hu-HU" sz="2000" dirty="0" err="1"/>
+              <a:t>footer</a:t>
+            </a:r>
+            <a:endParaRPr lang="hu-HU" sz="2000" dirty="0"/>
+          </a:p>
+        </p:txBody>
+      </p:sp>
+    </p:spTree>
+    <p:extLst>
+      <p:ext uri="{BB962C8B-B14F-4D97-AF65-F5344CB8AC3E}">
+        <p14:creationId xmlns:p14="http://schemas.microsoft.com/office/powerpoint/2010/main" val="347924713"/>
+      </p:ext>
+    </p:extLst>
+  </p:cSld>
+  <p:clrMapOvr>
+    <a:masterClrMapping/>
+  </p:clrMapOvr>
+</p:sld>
+</file>
+
+<file path=ppt/slides/slide7.xml><?xml version="1.0" encoding="utf-8"?>
+<p:sld xmlns:a="http://schemas.openxmlformats.org/drawingml/2006/main" xmlns:r="http://schemas.openxmlformats.org/officeDocument/2006/relationships" xmlns:p="http://schemas.openxmlformats.org/presentationml/2006/main">
+  <p:cSld>
+    <p:spTree>
+      <p:nvGrpSpPr>
+        <p:cNvPr id="1" name=""/>
+        <p:cNvGrpSpPr/>
+        <p:nvPr/>
+      </p:nvGrpSpPr>
+      <p:grpSpPr>
+        <a:xfrm>
+          <a:off x="0" y="0"/>
+          <a:ext cx="0" cy="0"/>
+          <a:chOff x="0" y="0"/>
+          <a:chExt cx="0" cy="0"/>
+        </a:xfrm>
+      </p:grpSpPr>
+      <p:sp>
+        <p:nvSpPr>
           <p:cNvPr id="2" name="Cím 1"/>
           <p:cNvSpPr>
             <a:spLocks noGrp="1"/>
@@ -7357,10 +7289,9 @@
           <a:lstStyle/>
           <a:p>
             <a:r>
-              <a:rPr lang="hu-HU" dirty="0" smtClean="0"/>
+              <a:rPr lang="hu-HU" dirty="0"/>
               <a:t>Köszönjük a figyelmet!</a:t>
             </a:r>
-            <a:endParaRPr lang="hu-HU" dirty="0"/>
           </a:p>
         </p:txBody>
       </p:sp>
@@ -7374,25 +7305,18 @@
   <p:clrMapOvr>
     <a:masterClrMapping/>
   </p:clrMapOvr>
-  <mc:AlternateContent xmlns:mc="http://schemas.openxmlformats.org/markup-compatibility/2006">
-    <mc:Choice xmlns:p15="http://schemas.microsoft.com/office/powerpoint/2012/main" Requires="p15">
+  <mc:AlternateContent xmlns:mc="http://schemas.openxmlformats.org/markup-compatibility/2006" xmlns:p15="http://schemas.microsoft.com/office/powerpoint/2012/main">
+    <mc:Choice Requires="p15">
       <p:transition xmlns:p14="http://schemas.microsoft.com/office/powerpoint/2010/main" spd="slow" p14:dur="2000" advClick="0">
         <p15:prstTrans prst="prestige"/>
       </p:transition>
     </mc:Choice>
-    <mc:Fallback>
+    <mc:Fallback xmlns="">
       <p:transition spd="slow" advClick="0">
         <p:fade/>
       </p:transition>
     </mc:Fallback>
   </mc:AlternateContent>
-  <p:timing>
-    <p:tnLst>
-      <p:par>
-        <p:cTn id="1" dur="indefinite" restart="never" nodeType="tmRoot"/>
-      </p:par>
-    </p:tnLst>
-  </p:timing>
 </p:sld>
 </file>
 

--- a/Eminem.pptx
+++ b/Eminem.pptx
@@ -6666,31 +6666,41 @@
           </a:p>
         </p:txBody>
       </p:sp>
-      <p:sp>
-        <p:nvSpPr>
-          <p:cNvPr id="5" name="Tartalom helye 4">
+      <p:pic>
+        <p:nvPicPr>
+          <p:cNvPr id="6" name="Tartalom helye 5">
             <a:extLst>
               <a:ext uri="{FF2B5EF4-FFF2-40B4-BE49-F238E27FC236}">
-                <a16:creationId xmlns:a16="http://schemas.microsoft.com/office/drawing/2014/main" id="{2DB2F148-9EA1-480E-B852-58F002D0EECD}"/>
+                <a16:creationId xmlns:a16="http://schemas.microsoft.com/office/drawing/2014/main" id="{12642F63-51B4-4F43-8155-3D551DFB3ED9}"/>
               </a:ext>
             </a:extLst>
           </p:cNvPr>
-          <p:cNvSpPr>
-            <a:spLocks noGrp="1"/>
-          </p:cNvSpPr>
+          <p:cNvPicPr>
+            <a:picLocks noGrp="1" noChangeAspect="1"/>
+          </p:cNvPicPr>
           <p:nvPr>
             <p:ph sz="quarter" idx="13"/>
           </p:nvPr>
-        </p:nvSpPr>
-        <p:spPr/>
-        <p:txBody>
-          <a:bodyPr/>
-          <a:lstStyle/>
-          <a:p>
-            <a:endParaRPr lang="hu-HU"/>
-          </a:p>
-        </p:txBody>
-      </p:sp>
+        </p:nvPicPr>
+        <p:blipFill>
+          <a:blip r:embed="rId2" cstate="print">
+            <a:extLst>
+              <a:ext uri="{28A0092B-C50C-407E-A947-70E740481C1C}">
+                <a14:useLocalDpi xmlns:a14="http://schemas.microsoft.com/office/drawing/2010/main" val="0"/>
+              </a:ext>
+            </a:extLst>
+          </a:blip>
+          <a:stretch>
+            <a:fillRect/>
+          </a:stretch>
+        </p:blipFill>
+        <p:spPr>
+          <a:xfrm>
+            <a:off x="6096000" y="0"/>
+            <a:ext cx="4409373" cy="5598695"/>
+          </a:xfrm>
+        </p:spPr>
+      </p:pic>
     </p:spTree>
     <p:extLst>
       <p:ext uri="{BB962C8B-B14F-4D97-AF65-F5344CB8AC3E}">
@@ -6933,31 +6943,6 @@
       </p:sp>
       <p:sp>
         <p:nvSpPr>
-          <p:cNvPr id="3" name="Tartalom helye 2">
-            <a:extLst>
-              <a:ext uri="{FF2B5EF4-FFF2-40B4-BE49-F238E27FC236}">
-                <a16:creationId xmlns:a16="http://schemas.microsoft.com/office/drawing/2014/main" id="{2C530598-ECD1-4574-9331-7773846F669A}"/>
-              </a:ext>
-            </a:extLst>
-          </p:cNvPr>
-          <p:cNvSpPr>
-            <a:spLocks noGrp="1"/>
-          </p:cNvSpPr>
-          <p:nvPr>
-            <p:ph sz="quarter" idx="13"/>
-          </p:nvPr>
-        </p:nvSpPr>
-        <p:spPr/>
-        <p:txBody>
-          <a:bodyPr/>
-          <a:lstStyle/>
-          <a:p>
-            <a:endParaRPr lang="hu-HU"/>
-          </a:p>
-        </p:txBody>
-      </p:sp>
-      <p:sp>
-        <p:nvSpPr>
           <p:cNvPr id="4" name="Szöveg helye 3">
             <a:extLst>
               <a:ext uri="{FF2B5EF4-FFF2-40B4-BE49-F238E27FC236}">
@@ -7049,6 +7034,41 @@
           </a:p>
         </p:txBody>
       </p:sp>
+      <p:pic>
+        <p:nvPicPr>
+          <p:cNvPr id="14" name="Tartalom helye 13">
+            <a:extLst>
+              <a:ext uri="{FF2B5EF4-FFF2-40B4-BE49-F238E27FC236}">
+                <a16:creationId xmlns:a16="http://schemas.microsoft.com/office/drawing/2014/main" id="{11A096ED-766F-4C66-BC0B-E2BC1220E9F4}"/>
+              </a:ext>
+            </a:extLst>
+          </p:cNvPr>
+          <p:cNvPicPr>
+            <a:picLocks noGrp="1" noChangeAspect="1"/>
+          </p:cNvPicPr>
+          <p:nvPr>
+            <p:ph sz="quarter" idx="13"/>
+          </p:nvPr>
+        </p:nvPicPr>
+        <p:blipFill>
+          <a:blip r:embed="rId2" cstate="print">
+            <a:extLst>
+              <a:ext uri="{28A0092B-C50C-407E-A947-70E740481C1C}">
+                <a14:useLocalDpi xmlns:a14="http://schemas.microsoft.com/office/drawing/2010/main" val="0"/>
+              </a:ext>
+            </a:extLst>
+          </a:blip>
+          <a:stretch>
+            <a:fillRect/>
+          </a:stretch>
+        </p:blipFill>
+        <p:spPr>
+          <a:xfrm>
+            <a:off x="6095999" y="-1"/>
+            <a:ext cx="2096577" cy="5598695"/>
+          </a:xfrm>
+        </p:spPr>
+      </p:pic>
     </p:spTree>
     <p:extLst>
       <p:ext uri="{BB962C8B-B14F-4D97-AF65-F5344CB8AC3E}">
@@ -7112,31 +7132,41 @@
           </a:p>
         </p:txBody>
       </p:sp>
-      <p:sp>
-        <p:nvSpPr>
-          <p:cNvPr id="3" name="Tartalom helye 2">
+      <p:pic>
+        <p:nvPicPr>
+          <p:cNvPr id="6" name="Tartalom helye 5">
             <a:extLst>
               <a:ext uri="{FF2B5EF4-FFF2-40B4-BE49-F238E27FC236}">
-                <a16:creationId xmlns:a16="http://schemas.microsoft.com/office/drawing/2014/main" id="{B25DEB27-830D-45D3-BDE0-F46E695DBADF}"/>
+                <a16:creationId xmlns:a16="http://schemas.microsoft.com/office/drawing/2014/main" id="{2F9ED303-C8C7-4C93-8791-13493AD82D43}"/>
               </a:ext>
             </a:extLst>
           </p:cNvPr>
-          <p:cNvSpPr>
-            <a:spLocks noGrp="1"/>
-          </p:cNvSpPr>
+          <p:cNvPicPr>
+            <a:picLocks noGrp="1" noChangeAspect="1"/>
+          </p:cNvPicPr>
           <p:nvPr>
             <p:ph sz="quarter" idx="13"/>
           </p:nvPr>
-        </p:nvSpPr>
-        <p:spPr/>
-        <p:txBody>
-          <a:bodyPr/>
-          <a:lstStyle/>
-          <a:p>
-            <a:endParaRPr lang="hu-HU"/>
-          </a:p>
-        </p:txBody>
-      </p:sp>
+        </p:nvPicPr>
+        <p:blipFill>
+          <a:blip r:embed="rId2" cstate="print">
+            <a:extLst>
+              <a:ext uri="{28A0092B-C50C-407E-A947-70E740481C1C}">
+                <a14:useLocalDpi xmlns:a14="http://schemas.microsoft.com/office/drawing/2010/main" val="0"/>
+              </a:ext>
+            </a:extLst>
+          </a:blip>
+          <a:stretch>
+            <a:fillRect/>
+          </a:stretch>
+        </p:blipFill>
+        <p:spPr>
+          <a:xfrm>
+            <a:off x="6096000" y="0"/>
+            <a:ext cx="4228599" cy="5598695"/>
+          </a:xfrm>
+        </p:spPr>
+      </p:pic>
       <p:sp>
         <p:nvSpPr>
           <p:cNvPr id="4" name="Szöveg helye 3">
@@ -7280,7 +7310,7 @@
         </p:nvSpPr>
         <p:spPr>
           <a:xfrm>
-            <a:off x="1560096" y="1864895"/>
+            <a:off x="2612858" y="2277035"/>
             <a:ext cx="6966283" cy="1151965"/>
           </a:xfrm>
         </p:spPr>

--- a/Eminem.pptx
+++ b/Eminem.pptx
@@ -6767,31 +6767,41 @@
           </a:p>
         </p:txBody>
       </p:sp>
-      <p:sp>
-        <p:nvSpPr>
-          <p:cNvPr id="3" name="Tartalom helye 2">
+      <p:pic>
+        <p:nvPicPr>
+          <p:cNvPr id="6" name="Tartalom helye 5">
             <a:extLst>
               <a:ext uri="{FF2B5EF4-FFF2-40B4-BE49-F238E27FC236}">
-                <a16:creationId xmlns:a16="http://schemas.microsoft.com/office/drawing/2014/main" id="{018E8CE1-3642-49E1-9BF0-414236491B3E}"/>
+                <a16:creationId xmlns:a16="http://schemas.microsoft.com/office/drawing/2014/main" id="{F9355F01-416A-4CA2-88B2-C47D7C25F7EB}"/>
               </a:ext>
             </a:extLst>
           </p:cNvPr>
-          <p:cNvSpPr>
-            <a:spLocks noGrp="1"/>
-          </p:cNvSpPr>
+          <p:cNvPicPr>
+            <a:picLocks noGrp="1" noChangeAspect="1"/>
+          </p:cNvPicPr>
           <p:nvPr>
             <p:ph sz="quarter" idx="13"/>
           </p:nvPr>
-        </p:nvSpPr>
-        <p:spPr/>
-        <p:txBody>
-          <a:bodyPr/>
-          <a:lstStyle/>
-          <a:p>
-            <a:endParaRPr lang="hu-HU"/>
-          </a:p>
-        </p:txBody>
-      </p:sp>
+        </p:nvPicPr>
+        <p:blipFill>
+          <a:blip r:embed="rId2" cstate="print">
+            <a:extLst>
+              <a:ext uri="{28A0092B-C50C-407E-A947-70E740481C1C}">
+                <a14:useLocalDpi xmlns:a14="http://schemas.microsoft.com/office/drawing/2010/main" val="0"/>
+              </a:ext>
+            </a:extLst>
+          </a:blip>
+          <a:stretch>
+            <a:fillRect/>
+          </a:stretch>
+        </p:blipFill>
+        <p:spPr>
+          <a:xfrm>
+            <a:off x="6095999" y="0"/>
+            <a:ext cx="1981553" cy="5598695"/>
+          </a:xfrm>
+        </p:spPr>
+      </p:pic>
       <p:sp>
         <p:nvSpPr>
           <p:cNvPr id="4" name="Szöveg helye 3">
